--- a/trunk/ defender-touch-fhb --username salaxy@web.de/Defender/docs/Defender.pptx
+++ b/trunk/ defender-touch-fhb --username salaxy@web.de/Defender/docs/Defender.pptx
@@ -2,16 +2,21 @@
 <file path=ppt/presentation.xml><?xml version="1.0" encoding="utf-8"?>
 <p:presentation xmlns:a="http://schemas.openxmlformats.org/drawingml/2006/main" xmlns:r="http://schemas.openxmlformats.org/officeDocument/2006/relationships" xmlns:p="http://schemas.openxmlformats.org/presentationml/2006/main" saveSubsetFonts="1">
   <p:sldMasterIdLst>
-    <p:sldMasterId id="2147483672" r:id="rId1"/>
+    <p:sldMasterId id="2147483720" r:id="rId1"/>
   </p:sldMasterIdLst>
   <p:sldIdLst>
     <p:sldId id="256" r:id="rId2"/>
-    <p:sldId id="257" r:id="rId3"/>
-    <p:sldId id="258" r:id="rId4"/>
-    <p:sldId id="259" r:id="rId5"/>
-    <p:sldId id="261" r:id="rId6"/>
-    <p:sldId id="260" r:id="rId7"/>
-    <p:sldId id="262" r:id="rId8"/>
+    <p:sldId id="263" r:id="rId3"/>
+    <p:sldId id="257" r:id="rId4"/>
+    <p:sldId id="258" r:id="rId5"/>
+    <p:sldId id="264" r:id="rId6"/>
+    <p:sldId id="259" r:id="rId7"/>
+    <p:sldId id="265" r:id="rId8"/>
+    <p:sldId id="261" r:id="rId9"/>
+    <p:sldId id="266" r:id="rId10"/>
+    <p:sldId id="260" r:id="rId11"/>
+    <p:sldId id="267" r:id="rId12"/>
+    <p:sldId id="262" r:id="rId13"/>
   </p:sldIdLst>
   <p:sldSz cx="9144000" cy="6858000" type="screen4x3"/>
   <p:notesSz cx="6858000" cy="9144000"/>
@@ -114,8 +119,13 @@
 </file>
 
 <file path=ppt/slideLayouts/slideLayout1.xml><?xml version="1.0" encoding="utf-8"?>
-<p:sldLayout xmlns:a="http://schemas.openxmlformats.org/drawingml/2006/main" xmlns:r="http://schemas.openxmlformats.org/officeDocument/2006/relationships" xmlns:p="http://schemas.openxmlformats.org/presentationml/2006/main" type="title" preserve="1">
+<p:sldLayout xmlns:a="http://schemas.openxmlformats.org/drawingml/2006/main" xmlns:r="http://schemas.openxmlformats.org/officeDocument/2006/relationships" xmlns:p="http://schemas.openxmlformats.org/presentationml/2006/main" showMasterSp="0" type="title" preserve="1">
   <p:cSld name="Titelfolie">
+    <p:bg>
+      <p:bgRef idx="1002">
+        <a:schemeClr val="bg1"/>
+      </p:bgRef>
+    </p:bg>
     <p:spTree>
       <p:nvGrpSpPr>
         <p:cNvPr id="1" name=""/>
@@ -132,7 +142,126 @@
       </p:grpSpPr>
       <p:sp>
         <p:nvSpPr>
-          <p:cNvPr id="14" name="Titel 13"/>
+          <p:cNvPr id="8" name="Rechteck 7"/>
+          <p:cNvSpPr/>
+          <p:nvPr/>
+        </p:nvSpPr>
+        <p:spPr>
+          <a:xfrm flipH="1">
+            <a:off x="2667000" y="0"/>
+            <a:ext cx="6477000" cy="6858000"/>
+          </a:xfrm>
+          <a:prstGeom prst="rect">
+            <a:avLst/>
+          </a:prstGeom>
+          <a:blipFill>
+            <a:blip r:embed="rId2" cstate="print">
+              <a:alphaModFix amt="43000"/>
+            </a:blip>
+            <a:tile tx="0" ty="0" sx="50000" sy="50000" flip="none" algn="tl"/>
+          </a:blipFill>
+          <a:ln w="0" cap="flat" cmpd="sng" algn="ctr">
+            <a:noFill/>
+            <a:prstDash val="solid"/>
+          </a:ln>
+          <a:effectLst>
+            <a:fillOverlay blend="mult">
+              <a:gradFill rotWithShape="1">
+                <a:gsLst>
+                  <a:gs pos="0">
+                    <a:schemeClr val="tx2">
+                      <a:tint val="62000"/>
+                      <a:satMod val="420000"/>
+                    </a:schemeClr>
+                  </a:gs>
+                  <a:gs pos="100000">
+                    <a:schemeClr val="tx2">
+                      <a:shade val="20000"/>
+                      <a:satMod val="170000"/>
+                    </a:schemeClr>
+                  </a:gs>
+                </a:gsLst>
+                <a:path path="circle">
+                  <a:fillToRect l="50000" t="100000" r="50000"/>
+                </a:path>
+                <a:tileRect/>
+              </a:gradFill>
+            </a:fillOverlay>
+            <a:innerShdw blurRad="63500" dist="44450" dir="10800000">
+              <a:srgbClr val="000000">
+                <a:alpha val="50000"/>
+              </a:srgbClr>
+            </a:innerShdw>
+          </a:effectLst>
+        </p:spPr>
+        <p:style>
+          <a:lnRef idx="3">
+            <a:schemeClr val="lt1"/>
+          </a:lnRef>
+          <a:fillRef idx="1">
+            <a:schemeClr val="accent1"/>
+          </a:fillRef>
+          <a:effectRef idx="1">
+            <a:schemeClr val="accent1"/>
+          </a:effectRef>
+          <a:fontRef idx="minor">
+            <a:schemeClr val="lt1"/>
+          </a:fontRef>
+        </p:style>
+        <p:txBody>
+          <a:bodyPr anchor="ctr"/>
+          <a:lstStyle>
+            <a:extLst/>
+          </a:lstStyle>
+          <a:p>
+            <a:pPr algn="ctr" eaLnBrk="1" latinLnBrk="0" hangingPunct="1"/>
+            <a:endParaRPr kumimoji="0" lang="en-US"/>
+          </a:p>
+        </p:txBody>
+      </p:sp>
+      <p:sp>
+        <p:nvSpPr>
+          <p:cNvPr id="9" name="Gerade Verbindung 8"/>
+          <p:cNvSpPr>
+            <a:spLocks noChangeShapeType="1"/>
+          </p:cNvSpPr>
+          <p:nvPr/>
+        </p:nvSpPr>
+        <p:spPr bwMode="auto">
+          <a:xfrm rot="16200000">
+            <a:off x="-762000" y="3429000"/>
+            <a:ext cx="6858000" cy="0"/>
+          </a:xfrm>
+          <a:prstGeom prst="line">
+            <a:avLst/>
+          </a:prstGeom>
+          <a:noFill/>
+          <a:ln w="11430" cap="flat" cmpd="sng" algn="ctr">
+            <a:solidFill>
+              <a:schemeClr val="bg1">
+                <a:shade val="95000"/>
+              </a:schemeClr>
+            </a:solidFill>
+            <a:prstDash val="solid"/>
+            <a:miter lim="800000"/>
+            <a:headEnd type="none" w="med" len="med"/>
+            <a:tailEnd type="none" w="med" len="med"/>
+          </a:ln>
+          <a:effectLst/>
+        </p:spPr>
+        <p:txBody>
+          <a:bodyPr vert="horz" wrap="square" lIns="91440" tIns="45720" rIns="91440" bIns="45720" anchor="t" compatLnSpc="1"/>
+          <a:lstStyle>
+            <a:extLst/>
+          </a:lstStyle>
+          <a:p>
+            <a:endParaRPr kumimoji="0" lang="en-US"/>
+          </a:p>
+        </p:txBody>
+      </p:sp>
+      <p:sp>
+        <p:nvSpPr>
+          <p:cNvPr id="12" name="Titel 11"/>
           <p:cNvSpPr>
             <a:spLocks noGrp="1"/>
           </p:cNvSpPr>
@@ -142,15 +271,17 @@
         </p:nvSpPr>
         <p:spPr>
           <a:xfrm>
-            <a:off x="1432560" y="359898"/>
-            <a:ext cx="7406640" cy="1472184"/>
+            <a:off x="3366868" y="533400"/>
+            <a:ext cx="5105400" cy="2868168"/>
           </a:xfrm>
         </p:spPr>
         <p:txBody>
-          <a:bodyPr anchor="b"/>
-          <a:lstStyle>
-            <a:lvl1pPr algn="l">
-              <a:defRPr/>
+          <a:bodyPr lIns="45720" tIns="0" rIns="45720">
+            <a:noAutofit/>
+          </a:bodyPr>
+          <a:lstStyle>
+            <a:lvl1pPr algn="r">
+              <a:defRPr sz="4200" b="1"/>
             </a:lvl1pPr>
             <a:extLst/>
           </a:lstStyle>
@@ -165,7 +296,7 @@
       </p:sp>
       <p:sp>
         <p:nvSpPr>
-          <p:cNvPr id="22" name="Untertitel 21"/>
+          <p:cNvPr id="25" name="Untertitel 24"/>
           <p:cNvSpPr>
             <a:spLocks noGrp="1"/>
           </p:cNvSpPr>
@@ -175,22 +306,20 @@
         </p:nvSpPr>
         <p:spPr>
           <a:xfrm>
-            <a:off x="1432560" y="1850064"/>
-            <a:ext cx="7406640" cy="1752600"/>
+            <a:off x="3354442" y="3539864"/>
+            <a:ext cx="5114778" cy="1101248"/>
           </a:xfrm>
         </p:spPr>
         <p:txBody>
-          <a:bodyPr tIns="0"/>
-          <a:lstStyle>
-            <a:lvl1pPr marL="27432" indent="0" algn="l">
+          <a:bodyPr lIns="45720" tIns="0" rIns="45720" bIns="0"/>
+          <a:lstStyle>
+            <a:lvl1pPr marL="0" indent="0" algn="r">
               <a:buNone/>
-              <a:defRPr sz="2600">
+              <a:defRPr sz="2200">
                 <a:solidFill>
-                  <a:schemeClr val="tx2">
-                    <a:shade val="30000"/>
-                    <a:satMod val="150000"/>
-                  </a:schemeClr>
+                  <a:srgbClr val="FFFFFF"/>
                 </a:solidFill>
+                <a:effectLst/>
               </a:defRPr>
             </a:lvl1pPr>
             <a:lvl2pPr marL="457200" indent="0" algn="ctr">
@@ -230,7 +359,7 @@
       </p:sp>
       <p:sp>
         <p:nvSpPr>
-          <p:cNvPr id="7" name="Datumsplatzhalter 6"/>
+          <p:cNvPr id="31" name="Datumsplatzhalter 30"/>
           <p:cNvSpPr>
             <a:spLocks noGrp="1"/>
           </p:cNvSpPr>
@@ -238,17 +367,29 @@
             <p:ph type="dt" sz="half" idx="10"/>
           </p:nvPr>
         </p:nvSpPr>
-        <p:spPr/>
-        <p:txBody>
-          <a:bodyPr/>
-          <a:lstStyle>
+        <p:spPr>
+          <a:xfrm>
+            <a:off x="5871224" y="6557946"/>
+            <a:ext cx="2002464" cy="226902"/>
+          </a:xfrm>
+        </p:spPr>
+        <p:txBody>
+          <a:bodyPr/>
+          <a:lstStyle>
+            <a:lvl1pPr>
+              <a:defRPr lang="en-US" smtClean="0">
+                <a:solidFill>
+                  <a:srgbClr val="FFFFFF"/>
+                </a:solidFill>
+              </a:defRPr>
+            </a:lvl1pPr>
             <a:extLst/>
           </a:lstStyle>
           <a:p>
             <a:fld id="{10CB81F0-6A2E-4F46-9B0B-01E656BD2A4E}" type="datetimeFigureOut">
               <a:rPr lang="de-DE" smtClean="0"/>
               <a:pPr/>
-              <a:t>09.10.2011</a:t>
+              <a:t>04.12.2011</a:t>
             </a:fld>
             <a:endParaRPr lang="de-DE"/>
           </a:p>
@@ -256,7 +397,7 @@
       </p:sp>
       <p:sp>
         <p:nvSpPr>
-          <p:cNvPr id="20" name="Fußzeilenplatzhalter 19"/>
+          <p:cNvPr id="18" name="Fußzeilenplatzhalter 17"/>
           <p:cNvSpPr>
             <a:spLocks noGrp="1"/>
           </p:cNvSpPr>
@@ -264,10 +405,22 @@
             <p:ph type="ftr" sz="quarter" idx="11"/>
           </p:nvPr>
         </p:nvSpPr>
-        <p:spPr/>
-        <p:txBody>
-          <a:bodyPr/>
-          <a:lstStyle>
+        <p:spPr>
+          <a:xfrm>
+            <a:off x="2819400" y="6557946"/>
+            <a:ext cx="2927722" cy="228600"/>
+          </a:xfrm>
+        </p:spPr>
+        <p:txBody>
+          <a:bodyPr/>
+          <a:lstStyle>
+            <a:lvl1pPr>
+              <a:defRPr lang="en-US" dirty="0">
+                <a:solidFill>
+                  <a:srgbClr val="FFFFFF"/>
+                </a:solidFill>
+              </a:defRPr>
+            </a:lvl1pPr>
             <a:extLst/>
           </a:lstStyle>
           <a:p>
@@ -277,7 +430,7 @@
       </p:sp>
       <p:sp>
         <p:nvSpPr>
-          <p:cNvPr id="10" name="Foliennummernplatzhalter 9"/>
+          <p:cNvPr id="29" name="Foliennummernplatzhalter 28"/>
           <p:cNvSpPr>
             <a:spLocks noGrp="1"/>
           </p:cNvSpPr>
@@ -285,10 +438,22 @@
             <p:ph type="sldNum" sz="quarter" idx="12"/>
           </p:nvPr>
         </p:nvSpPr>
-        <p:spPr/>
-        <p:txBody>
-          <a:bodyPr/>
-          <a:lstStyle>
+        <p:spPr>
+          <a:xfrm>
+            <a:off x="7880884" y="6556248"/>
+            <a:ext cx="588336" cy="228600"/>
+          </a:xfrm>
+        </p:spPr>
+        <p:txBody>
+          <a:bodyPr/>
+          <a:lstStyle>
+            <a:lvl1pPr>
+              <a:defRPr lang="en-US" smtClean="0">
+                <a:solidFill>
+                  <a:srgbClr val="FFFFFF"/>
+                </a:solidFill>
+              </a:defRPr>
+            </a:lvl1pPr>
             <a:extLst/>
           </a:lstStyle>
           <a:p>
@@ -301,148 +466,10 @@
           </a:p>
         </p:txBody>
       </p:sp>
-      <p:sp>
-        <p:nvSpPr>
-          <p:cNvPr id="8" name="Ellipse 7"/>
-          <p:cNvSpPr/>
-          <p:nvPr/>
-        </p:nvSpPr>
-        <p:spPr>
-          <a:xfrm>
-            <a:off x="921433" y="1413802"/>
-            <a:ext cx="210312" cy="210312"/>
-          </a:xfrm>
-          <a:prstGeom prst="ellipse">
-            <a:avLst/>
-          </a:prstGeom>
-          <a:gradFill rotWithShape="1">
-            <a:gsLst>
-              <a:gs pos="0">
-                <a:schemeClr val="accent1">
-                  <a:tint val="20000"/>
-                  <a:satMod val="450000"/>
-                  <a:alpha val="95000"/>
-                </a:schemeClr>
-              </a:gs>
-              <a:gs pos="50000">
-                <a:schemeClr val="accent1">
-                  <a:tint val="38000"/>
-                  <a:satMod val="250000"/>
-                  <a:alpha val="90000"/>
-                </a:schemeClr>
-              </a:gs>
-              <a:gs pos="95000">
-                <a:schemeClr val="accent1">
-                  <a:tint val="75000"/>
-                  <a:satMod val="255000"/>
-                  <a:alpha val="88000"/>
-                </a:schemeClr>
-              </a:gs>
-              <a:gs pos="100000">
-                <a:schemeClr val="accent1">
-                  <a:tint val="100000"/>
-                  <a:shade val="90000"/>
-                  <a:satMod val="255000"/>
-                  <a:alpha val="85000"/>
-                </a:schemeClr>
-              </a:gs>
-            </a:gsLst>
-            <a:path path="circle">
-              <a:fillToRect l="25000" t="12500" r="75000" b="87500"/>
-            </a:path>
-          </a:gradFill>
-          <a:ln w="2000" cap="rnd" cmpd="sng" algn="ctr">
-            <a:solidFill>
-              <a:schemeClr val="accent1">
-                <a:shade val="90000"/>
-                <a:satMod val="110000"/>
-                <a:alpha val="60000"/>
-              </a:schemeClr>
-            </a:solidFill>
-            <a:prstDash val="solid"/>
-          </a:ln>
-          <a:effectLst/>
-        </p:spPr>
-        <p:style>
-          <a:lnRef idx="1">
-            <a:schemeClr val="accent1"/>
-          </a:lnRef>
-          <a:fillRef idx="2">
-            <a:schemeClr val="accent1"/>
-          </a:fillRef>
-          <a:effectRef idx="1">
-            <a:schemeClr val="accent1"/>
-          </a:effectRef>
-          <a:fontRef idx="minor">
-            <a:schemeClr val="dk1"/>
-          </a:fontRef>
-        </p:style>
-        <p:txBody>
-          <a:bodyPr anchor="ctr"/>
-          <a:lstStyle>
-            <a:extLst/>
-          </a:lstStyle>
-          <a:p>
-            <a:pPr algn="ctr" eaLnBrk="1" latinLnBrk="0" hangingPunct="1"/>
-            <a:endParaRPr kumimoji="0" lang="en-US"/>
-          </a:p>
-        </p:txBody>
-      </p:sp>
-      <p:sp>
-        <p:nvSpPr>
-          <p:cNvPr id="9" name="Ellipse 8"/>
-          <p:cNvSpPr/>
-          <p:nvPr/>
-        </p:nvSpPr>
-        <p:spPr>
-          <a:xfrm>
-            <a:off x="1157176" y="1345016"/>
-            <a:ext cx="64008" cy="64008"/>
-          </a:xfrm>
-          <a:prstGeom prst="ellipse">
-            <a:avLst/>
-          </a:prstGeom>
-          <a:noFill/>
-          <a:ln w="12700" cap="rnd" cmpd="sng" algn="ctr">
-            <a:solidFill>
-              <a:schemeClr val="accent1">
-                <a:shade val="75000"/>
-                <a:alpha val="60000"/>
-              </a:schemeClr>
-            </a:solidFill>
-            <a:prstDash val="solid"/>
-          </a:ln>
-          <a:effectLst/>
-        </p:spPr>
-        <p:style>
-          <a:lnRef idx="1">
-            <a:schemeClr val="accent1"/>
-          </a:lnRef>
-          <a:fillRef idx="2">
-            <a:schemeClr val="accent1"/>
-          </a:fillRef>
-          <a:effectRef idx="1">
-            <a:schemeClr val="accent1"/>
-          </a:effectRef>
-          <a:fontRef idx="minor">
-            <a:schemeClr val="dk1"/>
-          </a:fontRef>
-        </p:style>
-        <p:txBody>
-          <a:bodyPr anchor="ctr"/>
-          <a:lstStyle>
-            <a:extLst/>
-          </a:lstStyle>
-          <a:p>
-            <a:pPr algn="ctr" eaLnBrk="1" latinLnBrk="0" hangingPunct="1"/>
-            <a:endParaRPr kumimoji="0" lang="en-US"/>
-          </a:p>
-        </p:txBody>
-      </p:sp>
     </p:spTree>
   </p:cSld>
   <p:clrMapOvr>
-    <a:masterClrMapping/>
+    <a:overrideClrMapping bg1="lt1" tx1="dk1" bg2="lt2" tx2="dk2" accent1="accent1" accent2="accent2" accent3="accent3" accent4="accent4" accent5="accent5" accent6="accent6" hlink="hlink" folHlink="folHlink"/>
   </p:clrMapOvr>
 </p:sldLayout>
 </file>
@@ -563,7 +590,7 @@
             <a:fld id="{10CB81F0-6A2E-4F46-9B0B-01E656BD2A4E}" type="datetimeFigureOut">
               <a:rPr lang="de-DE" smtClean="0"/>
               <a:pPr/>
-              <a:t>09.10.2011</a:t>
+              <a:t>04.12.2011</a:t>
             </a:fld>
             <a:endParaRPr lang="de-DE"/>
           </a:p>
@@ -653,12 +680,12 @@
         </p:nvSpPr>
         <p:spPr>
           <a:xfrm>
-            <a:off x="6858000" y="274639"/>
-            <a:ext cx="1828800" cy="5851525"/>
+            <a:off x="6553200" y="274955"/>
+            <a:ext cx="1524000" cy="5851525"/>
           </a:xfrm>
         </p:spPr>
         <p:txBody>
-          <a:bodyPr vert="eaVert"/>
+          <a:bodyPr vert="eaVert" anchor="t"/>
           <a:lstStyle>
             <a:extLst/>
           </a:lstStyle>
@@ -683,8 +710,8 @@
         </p:nvSpPr>
         <p:spPr>
           <a:xfrm>
-            <a:off x="1143000" y="274640"/>
-            <a:ext cx="5562600" cy="5851525"/>
+            <a:off x="457200" y="274642"/>
+            <a:ext cx="6019800" cy="5851525"/>
           </a:xfrm>
         </p:spPr>
         <p:txBody>
@@ -740,7 +767,12 @@
             <p:ph type="dt" sz="half" idx="10"/>
           </p:nvPr>
         </p:nvSpPr>
-        <p:spPr/>
+        <p:spPr>
+          <a:xfrm>
+            <a:off x="4242816" y="6557946"/>
+            <a:ext cx="2002464" cy="226902"/>
+          </a:xfrm>
+        </p:spPr>
         <p:txBody>
           <a:bodyPr/>
           <a:lstStyle>
@@ -750,7 +782,7 @@
             <a:fld id="{10CB81F0-6A2E-4F46-9B0B-01E656BD2A4E}" type="datetimeFigureOut">
               <a:rPr lang="de-DE" smtClean="0"/>
               <a:pPr/>
-              <a:t>09.10.2011</a:t>
+              <a:t>04.12.2011</a:t>
             </a:fld>
             <a:endParaRPr lang="de-DE"/>
           </a:p>
@@ -766,7 +798,12 @@
             <p:ph type="ftr" sz="quarter" idx="11"/>
           </p:nvPr>
         </p:nvSpPr>
-        <p:spPr/>
+        <p:spPr>
+          <a:xfrm>
+            <a:off x="457200" y="6556248"/>
+            <a:ext cx="3657600" cy="228600"/>
+          </a:xfrm>
+        </p:spPr>
         <p:txBody>
           <a:bodyPr/>
           <a:lstStyle>
@@ -787,10 +824,22 @@
             <p:ph type="sldNum" sz="quarter" idx="12"/>
           </p:nvPr>
         </p:nvSpPr>
-        <p:spPr/>
-        <p:txBody>
-          <a:bodyPr/>
-          <a:lstStyle>
+        <p:spPr>
+          <a:xfrm>
+            <a:off x="6254496" y="6553200"/>
+            <a:ext cx="588336" cy="228600"/>
+          </a:xfrm>
+        </p:spPr>
+        <p:txBody>
+          <a:bodyPr/>
+          <a:lstStyle>
+            <a:lvl1pPr>
+              <a:defRPr>
+                <a:solidFill>
+                  <a:schemeClr val="tx2"/>
+                </a:solidFill>
+              </a:defRPr>
+            </a:lvl1pPr>
             <a:extLst/>
           </a:lstStyle>
           <a:p>
@@ -927,7 +976,7 @@
             <a:fld id="{10CB81F0-6A2E-4F46-9B0B-01E656BD2A4E}" type="datetimeFigureOut">
               <a:rPr lang="de-DE" smtClean="0"/>
               <a:pPr/>
-              <a:t>09.10.2011</a:t>
+              <a:t>04.12.2011</a:t>
             </a:fld>
             <a:endParaRPr lang="de-DE"/>
           </a:p>
@@ -989,8 +1038,13 @@
 </file>
 
 <file path=ppt/slideLayouts/slideLayout3.xml><?xml version="1.0" encoding="utf-8"?>
-<p:sldLayout xmlns:a="http://schemas.openxmlformats.org/drawingml/2006/main" xmlns:r="http://schemas.openxmlformats.org/officeDocument/2006/relationships" xmlns:p="http://schemas.openxmlformats.org/presentationml/2006/main" showMasterSp="0" type="secHead" preserve="1">
+<p:sldLayout xmlns:a="http://schemas.openxmlformats.org/drawingml/2006/main" xmlns:r="http://schemas.openxmlformats.org/officeDocument/2006/relationships" xmlns:p="http://schemas.openxmlformats.org/presentationml/2006/main" type="secHead" preserve="1">
   <p:cSld name="Abschnittsüberschrift">
+    <p:bg>
+      <p:bgRef idx="1001">
+        <a:schemeClr val="bg1"/>
+      </p:bgRef>
+    </p:bg>
     <p:spTree>
       <p:nvGrpSpPr>
         <p:cNvPr id="1" name=""/>
@@ -1007,123 +1061,64 @@
       </p:grpSpPr>
       <p:sp>
         <p:nvSpPr>
-          <p:cNvPr id="7" name="Rechteck 6"/>
-          <p:cNvSpPr/>
-          <p:nvPr/>
+          <p:cNvPr id="2" name="Titel 1"/>
+          <p:cNvSpPr>
+            <a:spLocks noGrp="1"/>
+          </p:cNvSpPr>
+          <p:nvPr>
+            <p:ph type="title"/>
+          </p:nvPr>
         </p:nvSpPr>
         <p:spPr>
           <a:xfrm>
-            <a:off x="2282890" y="-54"/>
-            <a:ext cx="6858000" cy="6858054"/>
+            <a:off x="1066800" y="2821837"/>
+            <a:ext cx="6255488" cy="1362075"/>
           </a:xfrm>
-          <a:prstGeom prst="rect">
-            <a:avLst/>
-          </a:prstGeom>
-          <a:solidFill>
-            <a:schemeClr val="bg1"/>
-          </a:solidFill>
-          <a:ln w="25400" cap="rnd" cmpd="sng" algn="ctr">
-            <a:noFill/>
-            <a:prstDash val="solid"/>
-          </a:ln>
-          <a:effectLst/>
         </p:spPr>
-        <p:style>
-          <a:lnRef idx="3">
-            <a:schemeClr val="lt1"/>
-          </a:lnRef>
-          <a:fillRef idx="1">
-            <a:schemeClr val="accent1"/>
-          </a:fillRef>
-          <a:effectRef idx="1">
-            <a:schemeClr val="accent1"/>
-          </a:effectRef>
-          <a:fontRef idx="minor">
-            <a:schemeClr val="lt1"/>
-          </a:fontRef>
-        </p:style>
-        <p:txBody>
-          <a:bodyPr anchor="ctr"/>
-          <a:lstStyle>
-            <a:extLst/>
-          </a:lstStyle>
-          <a:p>
-            <a:pPr algn="ctr" eaLnBrk="1" latinLnBrk="0" hangingPunct="1"/>
+        <p:txBody>
+          <a:bodyPr tIns="0" anchor="t"/>
+          <a:lstStyle>
+            <a:lvl1pPr algn="r">
+              <a:buNone/>
+              <a:defRPr sz="4200" b="1" cap="all"/>
+            </a:lvl1pPr>
+            <a:extLst/>
+          </a:lstStyle>
+          <a:p>
+            <a:r>
+              <a:rPr kumimoji="0" lang="de-DE" smtClean="0"/>
+              <a:t>Titelmasterformat durch Klicken bearbeiten</a:t>
+            </a:r>
             <a:endParaRPr kumimoji="0" lang="en-US"/>
           </a:p>
         </p:txBody>
       </p:sp>
       <p:sp>
         <p:nvSpPr>
-          <p:cNvPr id="2" name="Titel 1"/>
-          <p:cNvSpPr>
-            <a:spLocks noGrp="1"/>
-          </p:cNvSpPr>
-          <p:nvPr>
-            <p:ph type="title"/>
+          <p:cNvPr id="3" name="Textplatzhalter 2"/>
+          <p:cNvSpPr>
+            <a:spLocks noGrp="1"/>
+          </p:cNvSpPr>
+          <p:nvPr>
+            <p:ph type="body" idx="1"/>
           </p:nvPr>
         </p:nvSpPr>
         <p:spPr>
           <a:xfrm>
-            <a:off x="2578392" y="2600325"/>
-            <a:ext cx="6400800" cy="2286000"/>
+            <a:off x="1066800" y="1905000"/>
+            <a:ext cx="6255488" cy="743507"/>
           </a:xfrm>
         </p:spPr>
         <p:txBody>
-          <a:bodyPr anchor="t"/>
-          <a:lstStyle>
-            <a:lvl1pPr algn="l">
-              <a:lnSpc>
-                <a:spcPts val="4500"/>
-              </a:lnSpc>
-              <a:buNone/>
-              <a:defRPr sz="4000" b="1" cap="all"/>
-            </a:lvl1pPr>
-            <a:extLst/>
-          </a:lstStyle>
-          <a:p>
-            <a:r>
-              <a:rPr kumimoji="0" lang="de-DE" smtClean="0"/>
-              <a:t>Titelmasterformat durch Klicken bearbeiten</a:t>
-            </a:r>
-            <a:endParaRPr kumimoji="0" lang="en-US"/>
-          </a:p>
-        </p:txBody>
-      </p:sp>
-      <p:sp>
-        <p:nvSpPr>
-          <p:cNvPr id="3" name="Textplatzhalter 2"/>
-          <p:cNvSpPr>
-            <a:spLocks noGrp="1"/>
-          </p:cNvSpPr>
-          <p:nvPr>
-            <p:ph type="body" idx="1"/>
-          </p:nvPr>
-        </p:nvSpPr>
-        <p:spPr>
-          <a:xfrm>
-            <a:off x="2578392" y="1066800"/>
-            <a:ext cx="6400800" cy="1509712"/>
-          </a:xfrm>
-        </p:spPr>
-        <p:txBody>
           <a:bodyPr anchor="b"/>
           <a:lstStyle>
-            <a:lvl1pPr marL="18288" indent="0">
-              <a:lnSpc>
-                <a:spcPts val="2300"/>
-              </a:lnSpc>
-              <a:spcBef>
-                <a:spcPts val="0"/>
-              </a:spcBef>
+            <a:lvl1pPr marL="0" indent="0" algn="r">
               <a:buNone/>
               <a:defRPr sz="2000">
                 <a:solidFill>
-                  <a:schemeClr val="tx2">
-                    <a:shade val="30000"/>
-                    <a:satMod val="150000"/>
-                  </a:schemeClr>
+                  <a:schemeClr val="tx1"/>
                 </a:solidFill>
+                <a:effectLst/>
               </a:defRPr>
             </a:lvl1pPr>
             <a:lvl2pPr>
@@ -1187,17 +1182,29 @@
             <p:ph type="dt" sz="half" idx="10"/>
           </p:nvPr>
         </p:nvSpPr>
-        <p:spPr/>
-        <p:txBody>
-          <a:bodyPr/>
-          <a:lstStyle>
+        <p:spPr>
+          <a:xfrm>
+            <a:off x="4724238" y="6556810"/>
+            <a:ext cx="2002464" cy="226902"/>
+          </a:xfrm>
+        </p:spPr>
+        <p:txBody>
+          <a:bodyPr bIns="0" anchor="b"/>
+          <a:lstStyle>
+            <a:lvl1pPr>
+              <a:defRPr>
+                <a:solidFill>
+                  <a:schemeClr val="tx2"/>
+                </a:solidFill>
+              </a:defRPr>
+            </a:lvl1pPr>
             <a:extLst/>
           </a:lstStyle>
           <a:p>
             <a:fld id="{10CB81F0-6A2E-4F46-9B0B-01E656BD2A4E}" type="datetimeFigureOut">
               <a:rPr lang="de-DE" smtClean="0"/>
               <a:pPr/>
-              <a:t>09.10.2011</a:t>
+              <a:t>04.12.2011</a:t>
             </a:fld>
             <a:endParaRPr lang="de-DE"/>
           </a:p>
@@ -1213,10 +1220,22 @@
             <p:ph type="ftr" sz="quarter" idx="11"/>
           </p:nvPr>
         </p:nvSpPr>
-        <p:spPr/>
-        <p:txBody>
-          <a:bodyPr/>
-          <a:lstStyle>
+        <p:spPr>
+          <a:xfrm>
+            <a:off x="1735358" y="6556810"/>
+            <a:ext cx="2895600" cy="228600"/>
+          </a:xfrm>
+        </p:spPr>
+        <p:txBody>
+          <a:bodyPr bIns="0" anchor="b"/>
+          <a:lstStyle>
+            <a:lvl1pPr>
+              <a:defRPr>
+                <a:solidFill>
+                  <a:schemeClr val="tx2"/>
+                </a:solidFill>
+              </a:defRPr>
+            </a:lvl1pPr>
             <a:extLst/>
           </a:lstStyle>
           <a:p>
@@ -1234,7 +1253,12 @@
             <p:ph type="sldNum" sz="quarter" idx="12"/>
           </p:nvPr>
         </p:nvSpPr>
-        <p:spPr/>
+        <p:spPr>
+          <a:xfrm>
+            <a:off x="6733952" y="6555112"/>
+            <a:ext cx="588336" cy="228600"/>
+          </a:xfrm>
+        </p:spPr>
         <p:txBody>
           <a:bodyPr/>
           <a:lstStyle>
@@ -1250,204 +1274,10 @@
           </a:p>
         </p:txBody>
       </p:sp>
-      <p:sp>
-        <p:nvSpPr>
-          <p:cNvPr id="10" name="Rechteck 9"/>
-          <p:cNvSpPr/>
-          <p:nvPr/>
-        </p:nvSpPr>
-        <p:spPr bwMode="invGray">
-          <a:xfrm>
-            <a:off x="2286000" y="0"/>
-            <a:ext cx="76200" cy="6858054"/>
-          </a:xfrm>
-          <a:prstGeom prst="rect">
-            <a:avLst/>
-          </a:prstGeom>
-          <a:solidFill>
-            <a:schemeClr val="bg1"/>
-          </a:solidFill>
-          <a:ln w="25400" cap="rnd" cmpd="sng" algn="ctr">
-            <a:noFill/>
-            <a:prstDash val="solid"/>
-          </a:ln>
-          <a:effectLst>
-            <a:outerShdw blurRad="38550" dist="38000" dir="10800000" algn="tl" rotWithShape="0">
-              <a:schemeClr val="bg2">
-                <a:shade val="20000"/>
-                <a:satMod val="110000"/>
-                <a:alpha val="25000"/>
-              </a:schemeClr>
-            </a:outerShdw>
-          </a:effectLst>
-        </p:spPr>
-        <p:style>
-          <a:lnRef idx="3">
-            <a:schemeClr val="lt1"/>
-          </a:lnRef>
-          <a:fillRef idx="1">
-            <a:schemeClr val="accent1"/>
-          </a:fillRef>
-          <a:effectRef idx="1">
-            <a:schemeClr val="accent1"/>
-          </a:effectRef>
-          <a:fontRef idx="minor">
-            <a:schemeClr val="lt1"/>
-          </a:fontRef>
-        </p:style>
-        <p:txBody>
-          <a:bodyPr anchor="ctr"/>
-          <a:lstStyle>
-            <a:extLst/>
-          </a:lstStyle>
-          <a:p>
-            <a:pPr algn="ctr" eaLnBrk="1" latinLnBrk="0" hangingPunct="1"/>
-            <a:endParaRPr kumimoji="0" lang="en-US"/>
-          </a:p>
-        </p:txBody>
-      </p:sp>
-      <p:sp>
-        <p:nvSpPr>
-          <p:cNvPr id="8" name="Ellipse 7"/>
-          <p:cNvSpPr/>
-          <p:nvPr/>
-        </p:nvSpPr>
-        <p:spPr>
-          <a:xfrm>
-            <a:off x="2172321" y="2814656"/>
-            <a:ext cx="210312" cy="210312"/>
-          </a:xfrm>
-          <a:prstGeom prst="ellipse">
-            <a:avLst/>
-          </a:prstGeom>
-          <a:gradFill rotWithShape="1">
-            <a:gsLst>
-              <a:gs pos="0">
-                <a:schemeClr val="accent1">
-                  <a:tint val="20000"/>
-                  <a:satMod val="450000"/>
-                  <a:alpha val="95000"/>
-                </a:schemeClr>
-              </a:gs>
-              <a:gs pos="50000">
-                <a:schemeClr val="accent1">
-                  <a:tint val="38000"/>
-                  <a:satMod val="250000"/>
-                  <a:alpha val="90000"/>
-                </a:schemeClr>
-              </a:gs>
-              <a:gs pos="95000">
-                <a:schemeClr val="accent1">
-                  <a:tint val="75000"/>
-                  <a:satMod val="255000"/>
-                  <a:alpha val="88000"/>
-                </a:schemeClr>
-              </a:gs>
-              <a:gs pos="100000">
-                <a:schemeClr val="accent1">
-                  <a:tint val="100000"/>
-                  <a:shade val="90000"/>
-                  <a:satMod val="255000"/>
-                  <a:alpha val="85000"/>
-                </a:schemeClr>
-              </a:gs>
-            </a:gsLst>
-            <a:path path="circle">
-              <a:fillToRect l="25000" t="12500" r="75000" b="87500"/>
-            </a:path>
-          </a:gradFill>
-          <a:ln w="2000" cap="rnd" cmpd="sng" algn="ctr">
-            <a:solidFill>
-              <a:schemeClr val="accent1">
-                <a:shade val="90000"/>
-                <a:satMod val="110000"/>
-                <a:alpha val="60000"/>
-              </a:schemeClr>
-            </a:solidFill>
-            <a:prstDash val="solid"/>
-          </a:ln>
-          <a:effectLst/>
-        </p:spPr>
-        <p:style>
-          <a:lnRef idx="1">
-            <a:schemeClr val="accent1"/>
-          </a:lnRef>
-          <a:fillRef idx="2">
-            <a:schemeClr val="accent1"/>
-          </a:fillRef>
-          <a:effectRef idx="1">
-            <a:schemeClr val="accent1"/>
-          </a:effectRef>
-          <a:fontRef idx="minor">
-            <a:schemeClr val="dk1"/>
-          </a:fontRef>
-        </p:style>
-        <p:txBody>
-          <a:bodyPr anchor="ctr"/>
-          <a:lstStyle>
-            <a:extLst/>
-          </a:lstStyle>
-          <a:p>
-            <a:pPr algn="ctr" eaLnBrk="1" latinLnBrk="0" hangingPunct="1"/>
-            <a:endParaRPr kumimoji="0" lang="en-US"/>
-          </a:p>
-        </p:txBody>
-      </p:sp>
-      <p:sp>
-        <p:nvSpPr>
-          <p:cNvPr id="9" name="Ellipse 8"/>
-          <p:cNvSpPr/>
-          <p:nvPr/>
-        </p:nvSpPr>
-        <p:spPr>
-          <a:xfrm>
-            <a:off x="2408064" y="2745870"/>
-            <a:ext cx="64008" cy="64008"/>
-          </a:xfrm>
-          <a:prstGeom prst="ellipse">
-            <a:avLst/>
-          </a:prstGeom>
-          <a:noFill/>
-          <a:ln w="12700" cap="rnd" cmpd="sng" algn="ctr">
-            <a:solidFill>
-              <a:schemeClr val="accent1">
-                <a:shade val="75000"/>
-                <a:alpha val="60000"/>
-              </a:schemeClr>
-            </a:solidFill>
-            <a:prstDash val="solid"/>
-          </a:ln>
-          <a:effectLst/>
-        </p:spPr>
-        <p:style>
-          <a:lnRef idx="1">
-            <a:schemeClr val="accent1"/>
-          </a:lnRef>
-          <a:fillRef idx="2">
-            <a:schemeClr val="accent1"/>
-          </a:fillRef>
-          <a:effectRef idx="1">
-            <a:schemeClr val="accent1"/>
-          </a:effectRef>
-          <a:fontRef idx="minor">
-            <a:schemeClr val="dk1"/>
-          </a:fontRef>
-        </p:style>
-        <p:txBody>
-          <a:bodyPr anchor="ctr"/>
-          <a:lstStyle>
-            <a:extLst/>
-          </a:lstStyle>
-          <a:p>
-            <a:pPr algn="ctr" eaLnBrk="1" latinLnBrk="0" hangingPunct="1"/>
-            <a:endParaRPr kumimoji="0" lang="en-US"/>
-          </a:p>
-        </p:txBody>
-      </p:sp>
     </p:spTree>
   </p:cSld>
   <p:clrMapOvr>
-    <a:masterClrMapping/>
+    <a:overrideClrMapping bg1="lt1" tx1="dk1" bg2="lt2" tx2="dk2" accent1="accent1" accent2="accent2" accent3="accent3" accent4="accent4" accent5="accent5" accent6="accent6" hlink="hlink" folHlink="folHlink"/>
   </p:clrMapOvr>
 </p:sldLayout>
 </file>
@@ -1481,8 +1311,8 @@
         </p:nvSpPr>
         <p:spPr>
           <a:xfrm>
-            <a:off x="1435608" y="274320"/>
-            <a:ext cx="7498080" cy="1143000"/>
+            <a:off x="457200" y="320040"/>
+            <a:ext cx="7242048" cy="1143000"/>
           </a:xfrm>
         </p:spPr>
         <p:txBody>
@@ -1511,12 +1341,12 @@
         </p:nvSpPr>
         <p:spPr>
           <a:xfrm>
-            <a:off x="1435608" y="1524000"/>
-            <a:ext cx="3657600" cy="4663440"/>
+            <a:off x="457200" y="1600200"/>
+            <a:ext cx="3520440" cy="4525963"/>
           </a:xfrm>
         </p:spPr>
         <p:txBody>
-          <a:bodyPr/>
+          <a:bodyPr anchor="t"/>
           <a:lstStyle>
             <a:lvl1pPr>
               <a:defRPr sz="2800"/>
@@ -1585,12 +1415,12 @@
         </p:nvSpPr>
         <p:spPr>
           <a:xfrm>
-            <a:off x="5276088" y="1524000"/>
-            <a:ext cx="3657600" cy="4663440"/>
+            <a:off x="4178808" y="1600200"/>
+            <a:ext cx="3520440" cy="4525963"/>
           </a:xfrm>
         </p:spPr>
         <p:txBody>
-          <a:bodyPr/>
+          <a:bodyPr anchor="t"/>
           <a:lstStyle>
             <a:lvl1pPr>
               <a:defRPr sz="2800"/>
@@ -1667,7 +1497,7 @@
             <a:fld id="{10CB81F0-6A2E-4F46-9B0B-01E656BD2A4E}" type="datetimeFigureOut">
               <a:rPr lang="de-DE" smtClean="0"/>
               <a:pPr/>
-              <a:t>09.10.2011</a:t>
+              <a:t>04.12.2011</a:t>
             </a:fld>
             <a:endParaRPr lang="de-DE"/>
           </a:p>
@@ -1729,7 +1559,7 @@
 </file>
 
 <file path=ppt/slideLayouts/slideLayout5.xml><?xml version="1.0" encoding="utf-8"?>
-<p:sldLayout xmlns:a="http://schemas.openxmlformats.org/drawingml/2006/main" xmlns:r="http://schemas.openxmlformats.org/officeDocument/2006/relationships" xmlns:p="http://schemas.openxmlformats.org/presentationml/2006/main" showMasterSp="0" type="twoTxTwoObj" preserve="1">
+<p:sldLayout xmlns:a="http://schemas.openxmlformats.org/drawingml/2006/main" xmlns:r="http://schemas.openxmlformats.org/officeDocument/2006/relationships" xmlns:p="http://schemas.openxmlformats.org/presentationml/2006/main" type="twoTxTwoObj" preserve="1">
   <p:cSld name="Vergleich">
     <p:spTree>
       <p:nvGrpSpPr>
@@ -1757,15 +1587,15 @@
         </p:nvSpPr>
         <p:spPr>
           <a:xfrm>
-            <a:off x="457200" y="5160336"/>
-            <a:ext cx="8229600" cy="1143000"/>
+            <a:off x="457200" y="320040"/>
+            <a:ext cx="7242048" cy="1143000"/>
           </a:xfrm>
         </p:spPr>
         <p:txBody>
-          <a:bodyPr anchor="ctr"/>
-          <a:lstStyle>
-            <a:lvl1pPr algn="ctr">
-              <a:defRPr sz="4500" b="1" cap="none" baseline="0"/>
+          <a:bodyPr anchor="b"/>
+          <a:lstStyle>
+            <a:lvl1pPr>
+              <a:defRPr/>
             </a:lvl1pPr>
             <a:extLst/>
           </a:lstStyle>
@@ -1790,34 +1620,42 @@
         </p:nvSpPr>
         <p:spPr>
           <a:xfrm>
-            <a:off x="457200" y="328278"/>
-            <a:ext cx="4023360" cy="640080"/>
+            <a:off x="457200" y="5867400"/>
+            <a:ext cx="3520440" cy="457200"/>
           </a:xfrm>
-          <a:solidFill>
-            <a:schemeClr val="bg1"/>
-          </a:solidFill>
-          <a:ln w="10795">
+          <a:noFill/>
+          <a:ln w="12700" cap="flat" cmpd="sng" algn="ctr">
             <a:solidFill>
-              <a:schemeClr val="bg1"/>
+              <a:schemeClr val="tx2"/>
             </a:solidFill>
-            <a:miter lim="800000"/>
+            <a:prstDash val="solid"/>
           </a:ln>
+          <a:effectLst/>
         </p:spPr>
+        <p:style>
+          <a:lnRef idx="1">
+            <a:schemeClr val="accent1"/>
+          </a:lnRef>
+          <a:fillRef idx="3">
+            <a:schemeClr val="accent1"/>
+          </a:fillRef>
+          <a:effectRef idx="2">
+            <a:schemeClr val="accent1"/>
+          </a:effectRef>
+          <a:fontRef idx="minor">
+            <a:schemeClr val="lt1"/>
+          </a:fontRef>
+        </p:style>
         <p:txBody>
           <a:bodyPr anchor="ctr"/>
           <a:lstStyle>
-            <a:lvl1pPr marL="64008" indent="0" algn="l">
-              <a:lnSpc>
-                <a:spcPct val="100000"/>
-              </a:lnSpc>
-              <a:spcBef>
-                <a:spcPts val="100"/>
-              </a:spcBef>
+            <a:lvl1pPr marL="0" indent="0" algn="ctr">
               <a:buNone/>
-              <a:defRPr sz="1900" b="0">
+              <a:defRPr sz="1800" b="1">
                 <a:solidFill>
-                  <a:schemeClr val="tx1"/>
+                  <a:schemeClr val="tx2"/>
                 </a:solidFill>
+                <a:effectLst/>
               </a:defRPr>
             </a:lvl1pPr>
             <a:lvl2pPr>
@@ -1859,34 +1697,42 @@
         </p:nvSpPr>
         <p:spPr>
           <a:xfrm>
-            <a:off x="4663440" y="328278"/>
-            <a:ext cx="4023360" cy="640080"/>
+            <a:off x="4178808" y="5867400"/>
+            <a:ext cx="3520440" cy="457200"/>
           </a:xfrm>
-          <a:solidFill>
-            <a:schemeClr val="bg1"/>
-          </a:solidFill>
-          <a:ln w="10795">
+          <a:noFill/>
+          <a:ln w="12700" cap="flat" cmpd="sng" algn="ctr">
             <a:solidFill>
-              <a:schemeClr val="bg1"/>
+              <a:schemeClr val="tx2"/>
             </a:solidFill>
-            <a:miter lim="800000"/>
+            <a:prstDash val="solid"/>
           </a:ln>
+          <a:effectLst/>
         </p:spPr>
+        <p:style>
+          <a:lnRef idx="1">
+            <a:schemeClr val="accent2"/>
+          </a:lnRef>
+          <a:fillRef idx="3">
+            <a:schemeClr val="accent2"/>
+          </a:fillRef>
+          <a:effectRef idx="2">
+            <a:schemeClr val="accent2"/>
+          </a:effectRef>
+          <a:fontRef idx="minor">
+            <a:schemeClr val="lt1"/>
+          </a:fontRef>
+        </p:style>
         <p:txBody>
           <a:bodyPr anchor="ctr"/>
           <a:lstStyle>
-            <a:lvl1pPr marL="64008" indent="0" algn="l">
-              <a:lnSpc>
-                <a:spcPct val="100000"/>
-              </a:lnSpc>
-              <a:spcBef>
-                <a:spcPts val="100"/>
-              </a:spcBef>
+            <a:lvl1pPr marL="0" indent="0" algn="ctr">
               <a:buNone/>
-              <a:defRPr sz="1900" b="0">
+              <a:defRPr sz="1800" b="1">
                 <a:solidFill>
-                  <a:schemeClr val="tx1"/>
+                  <a:schemeClr val="tx2"/>
                 </a:solidFill>
+                <a:effectLst/>
               </a:defRPr>
             </a:lvl1pPr>
             <a:lvl2pPr>
@@ -1928,63 +1774,26 @@
         </p:nvSpPr>
         <p:spPr>
           <a:xfrm>
-            <a:off x="457200" y="969336"/>
-            <a:ext cx="4023360" cy="4114800"/>
+            <a:off x="457200" y="1711840"/>
+            <a:ext cx="3520440" cy="4114800"/>
           </a:xfrm>
-          <a:ln w="10795">
-            <a:solidFill>
-              <a:schemeClr val="bg1"/>
-            </a:solidFill>
-            <a:prstDash val="dash"/>
-            <a:miter lim="800000"/>
-          </a:ln>
         </p:spPr>
         <p:txBody>
           <a:bodyPr/>
           <a:lstStyle>
-            <a:lvl1pPr marL="393192" indent="-274320">
-              <a:lnSpc>
-                <a:spcPct val="100000"/>
-              </a:lnSpc>
-              <a:spcBef>
-                <a:spcPts val="700"/>
-              </a:spcBef>
+            <a:lvl1pPr>
               <a:defRPr sz="2400"/>
             </a:lvl1pPr>
             <a:lvl2pPr>
-              <a:lnSpc>
-                <a:spcPct val="100000"/>
-              </a:lnSpc>
-              <a:spcBef>
-                <a:spcPts val="700"/>
-              </a:spcBef>
               <a:defRPr sz="2000"/>
             </a:lvl2pPr>
             <a:lvl3pPr>
-              <a:lnSpc>
-                <a:spcPct val="100000"/>
-              </a:lnSpc>
-              <a:spcBef>
-                <a:spcPts val="700"/>
-              </a:spcBef>
               <a:defRPr sz="1800"/>
             </a:lvl3pPr>
             <a:lvl4pPr>
-              <a:lnSpc>
-                <a:spcPct val="100000"/>
-              </a:lnSpc>
-              <a:spcBef>
-                <a:spcPts val="700"/>
-              </a:spcBef>
               <a:defRPr sz="1600"/>
             </a:lvl4pPr>
             <a:lvl5pPr>
-              <a:lnSpc>
-                <a:spcPct val="100000"/>
-              </a:lnSpc>
-              <a:spcBef>
-                <a:spcPts val="700"/>
-              </a:spcBef>
               <a:defRPr sz="1600"/>
             </a:lvl5pPr>
             <a:extLst/>
@@ -2039,63 +1848,26 @@
         </p:nvSpPr>
         <p:spPr>
           <a:xfrm>
-            <a:off x="4663440" y="969336"/>
-            <a:ext cx="4023360" cy="4114800"/>
+            <a:off x="4178808" y="1711840"/>
+            <a:ext cx="3520440" cy="4114800"/>
           </a:xfrm>
-          <a:ln w="10795">
-            <a:solidFill>
-              <a:schemeClr val="bg1"/>
-            </a:solidFill>
-            <a:prstDash val="dash"/>
-            <a:miter lim="800000"/>
-          </a:ln>
         </p:spPr>
         <p:txBody>
           <a:bodyPr/>
           <a:lstStyle>
-            <a:lvl1pPr marL="393192" indent="-274320">
-              <a:lnSpc>
-                <a:spcPct val="100000"/>
-              </a:lnSpc>
-              <a:spcBef>
-                <a:spcPts val="700"/>
-              </a:spcBef>
+            <a:lvl1pPr>
               <a:defRPr sz="2400"/>
             </a:lvl1pPr>
             <a:lvl2pPr>
-              <a:lnSpc>
-                <a:spcPct val="100000"/>
-              </a:lnSpc>
-              <a:spcBef>
-                <a:spcPts val="700"/>
-              </a:spcBef>
               <a:defRPr sz="2000"/>
             </a:lvl2pPr>
             <a:lvl3pPr>
-              <a:lnSpc>
-                <a:spcPct val="100000"/>
-              </a:lnSpc>
-              <a:spcBef>
-                <a:spcPts val="700"/>
-              </a:spcBef>
               <a:defRPr sz="1800"/>
             </a:lvl3pPr>
             <a:lvl4pPr>
-              <a:lnSpc>
-                <a:spcPct val="100000"/>
-              </a:lnSpc>
-              <a:spcBef>
-                <a:spcPts val="700"/>
-              </a:spcBef>
               <a:defRPr sz="1600"/>
             </a:lvl4pPr>
             <a:lvl5pPr>
-              <a:lnSpc>
-                <a:spcPct val="100000"/>
-              </a:lnSpc>
-              <a:spcBef>
-                <a:spcPts val="700"/>
-              </a:spcBef>
               <a:defRPr sz="1600"/>
             </a:lvl5pPr>
             <a:extLst/>
@@ -2158,7 +1930,7 @@
             <a:fld id="{10CB81F0-6A2E-4F46-9B0B-01E656BD2A4E}" type="datetimeFigureOut">
               <a:rPr lang="de-DE" smtClean="0"/>
               <a:pPr/>
-              <a:t>09.10.2011</a:t>
+              <a:t>04.12.2011</a:t>
             </a:fld>
             <a:endParaRPr lang="de-DE"/>
           </a:p>
@@ -2248,12 +2020,12 @@
         </p:nvSpPr>
         <p:spPr>
           <a:xfrm>
-            <a:off x="1435608" y="274320"/>
-            <a:ext cx="7498080" cy="1143000"/>
+            <a:off x="457200" y="320040"/>
+            <a:ext cx="7242048" cy="1143000"/>
           </a:xfrm>
         </p:spPr>
         <p:txBody>
-          <a:bodyPr anchor="ctr"/>
+          <a:bodyPr/>
           <a:lstStyle>
             <a:extLst/>
           </a:lstStyle>
@@ -2286,7 +2058,7 @@
             <a:fld id="{10CB81F0-6A2E-4F46-9B0B-01E656BD2A4E}" type="datetimeFigureOut">
               <a:rPr lang="de-DE" smtClean="0"/>
               <a:pPr/>
-              <a:t>09.10.2011</a:t>
+              <a:t>04.12.2011</a:t>
             </a:fld>
             <a:endParaRPr lang="de-DE"/>
           </a:p>
@@ -2348,7 +2120,7 @@
 </file>
 
 <file path=ppt/slideLayouts/slideLayout7.xml><?xml version="1.0" encoding="utf-8"?>
-<p:sldLayout xmlns:a="http://schemas.openxmlformats.org/drawingml/2006/main" xmlns:r="http://schemas.openxmlformats.org/officeDocument/2006/relationships" xmlns:p="http://schemas.openxmlformats.org/presentationml/2006/main" showMasterSp="0" type="blank" preserve="1">
+<p:sldLayout xmlns:a="http://schemas.openxmlformats.org/drawingml/2006/main" xmlns:r="http://schemas.openxmlformats.org/officeDocument/2006/relationships" xmlns:p="http://schemas.openxmlformats.org/presentationml/2006/main" type="blank" preserve="1">
   <p:cSld name="Leer">
     <p:spTree>
       <p:nvGrpSpPr>
@@ -2366,54 +2138,6 @@
       </p:grpSpPr>
       <p:sp>
         <p:nvSpPr>
-          <p:cNvPr id="5" name="Rechteck 4"/>
-          <p:cNvSpPr/>
-          <p:nvPr/>
-        </p:nvSpPr>
-        <p:spPr>
-          <a:xfrm>
-            <a:off x="1014984" y="0"/>
-            <a:ext cx="8129016" cy="6858000"/>
-          </a:xfrm>
-          <a:prstGeom prst="rect">
-            <a:avLst/>
-          </a:prstGeom>
-          <a:solidFill>
-            <a:schemeClr val="bg1"/>
-          </a:solidFill>
-          <a:ln w="25400" cap="rnd" cmpd="sng" algn="ctr">
-            <a:noFill/>
-            <a:prstDash val="solid"/>
-          </a:ln>
-          <a:effectLst/>
-        </p:spPr>
-        <p:style>
-          <a:lnRef idx="3">
-            <a:schemeClr val="lt1"/>
-          </a:lnRef>
-          <a:fillRef idx="1">
-            <a:schemeClr val="accent1"/>
-          </a:fillRef>
-          <a:effectRef idx="1">
-            <a:schemeClr val="accent1"/>
-          </a:effectRef>
-          <a:fontRef idx="minor">
-            <a:schemeClr val="lt1"/>
-          </a:fontRef>
-        </p:style>
-        <p:txBody>
-          <a:bodyPr anchor="ctr"/>
-          <a:lstStyle>
-            <a:extLst/>
-          </a:lstStyle>
-          <a:p>
-            <a:pPr algn="ctr" eaLnBrk="1" latinLnBrk="0" hangingPunct="1"/>
-            <a:endParaRPr kumimoji="0" lang="en-US"/>
-          </a:p>
-        </p:txBody>
-      </p:sp>
-      <p:sp>
-        <p:nvSpPr>
           <p:cNvPr id="2" name="Datumsplatzhalter 1"/>
           <p:cNvSpPr>
             <a:spLocks noGrp="1"/>
@@ -2426,13 +2150,20 @@
         <p:txBody>
           <a:bodyPr/>
           <a:lstStyle>
+            <a:lvl1pPr>
+              <a:defRPr>
+                <a:solidFill>
+                  <a:schemeClr val="tx2"/>
+                </a:solidFill>
+              </a:defRPr>
+            </a:lvl1pPr>
             <a:extLst/>
           </a:lstStyle>
           <a:p>
             <a:fld id="{10CB81F0-6A2E-4F46-9B0B-01E656BD2A4E}" type="datetimeFigureOut">
               <a:rPr lang="de-DE" smtClean="0"/>
               <a:pPr/>
-              <a:t>09.10.2011</a:t>
+              <a:t>04.12.2011</a:t>
             </a:fld>
             <a:endParaRPr lang="de-DE"/>
           </a:p>
@@ -2452,6 +2183,13 @@
         <p:txBody>
           <a:bodyPr/>
           <a:lstStyle>
+            <a:lvl1pPr>
+              <a:defRPr>
+                <a:solidFill>
+                  <a:schemeClr val="tx2"/>
+                </a:solidFill>
+              </a:defRPr>
+            </a:lvl1pPr>
             <a:extLst/>
           </a:lstStyle>
           <a:p>
@@ -2482,62 +2220,6 @@
               <a:t>‹Nr.›</a:t>
             </a:fld>
             <a:endParaRPr lang="de-DE"/>
-          </a:p>
-        </p:txBody>
-      </p:sp>
-      <p:sp>
-        <p:nvSpPr>
-          <p:cNvPr id="6" name="Rechteck 5"/>
-          <p:cNvSpPr/>
-          <p:nvPr/>
-        </p:nvSpPr>
-        <p:spPr bwMode="invGray">
-          <a:xfrm>
-            <a:off x="1014984" y="-54"/>
-            <a:ext cx="73152" cy="6858054"/>
-          </a:xfrm>
-          <a:prstGeom prst="rect">
-            <a:avLst/>
-          </a:prstGeom>
-          <a:solidFill>
-            <a:schemeClr val="bg1"/>
-          </a:solidFill>
-          <a:ln w="25400" cap="rnd" cmpd="sng" algn="ctr">
-            <a:noFill/>
-            <a:prstDash val="solid"/>
-          </a:ln>
-          <a:effectLst>
-            <a:outerShdw blurRad="38550" dist="38000" dir="10800000" algn="tl" rotWithShape="0">
-              <a:schemeClr val="bg2">
-                <a:shade val="20000"/>
-                <a:satMod val="110000"/>
-                <a:alpha val="25000"/>
-              </a:schemeClr>
-            </a:outerShdw>
-          </a:effectLst>
-        </p:spPr>
-        <p:style>
-          <a:lnRef idx="3">
-            <a:schemeClr val="lt1"/>
-          </a:lnRef>
-          <a:fillRef idx="1">
-            <a:schemeClr val="accent1"/>
-          </a:fillRef>
-          <a:effectRef idx="1">
-            <a:schemeClr val="accent1"/>
-          </a:effectRef>
-          <a:fontRef idx="minor">
-            <a:schemeClr val="lt1"/>
-          </a:fontRef>
-        </p:style>
-        <p:txBody>
-          <a:bodyPr anchor="ctr"/>
-          <a:lstStyle>
-            <a:extLst/>
-          </a:lstStyle>
-          <a:p>
-            <a:pPr algn="ctr" eaLnBrk="1" latinLnBrk="0" hangingPunct="1"/>
-            <a:endParaRPr kumimoji="0" lang="en-US"/>
           </a:p>
         </p:txBody>
       </p:sp>
@@ -2550,7 +2232,7 @@
 </file>
 
 <file path=ppt/slideLayouts/slideLayout8.xml><?xml version="1.0" encoding="utf-8"?>
-<p:sldLayout xmlns:a="http://schemas.openxmlformats.org/drawingml/2006/main" xmlns:r="http://schemas.openxmlformats.org/officeDocument/2006/relationships" xmlns:p="http://schemas.openxmlformats.org/presentationml/2006/main" showMasterSp="0" type="objTx" preserve="1">
+<p:sldLayout xmlns:a="http://schemas.openxmlformats.org/drawingml/2006/main" xmlns:r="http://schemas.openxmlformats.org/officeDocument/2006/relationships" xmlns:p="http://schemas.openxmlformats.org/presentationml/2006/main" type="objTx" preserve="1">
   <p:cSld name="Inhalt mit Überschrift">
     <p:spTree>
       <p:nvGrpSpPr>
@@ -2578,22 +2260,16 @@
         </p:nvSpPr>
         <p:spPr>
           <a:xfrm>
-            <a:off x="457200" y="216778"/>
-            <a:ext cx="3810000" cy="1162050"/>
+            <a:off x="457200" y="228600"/>
+            <a:ext cx="5897880" cy="1173480"/>
           </a:xfrm>
-          <a:ln>
-            <a:noFill/>
-          </a:ln>
         </p:spPr>
         <p:txBody>
-          <a:bodyPr anchor="b"/>
+          <a:bodyPr wrap="square" anchor="b"/>
           <a:lstStyle>
             <a:lvl1pPr algn="l">
-              <a:lnSpc>
-                <a:spcPts val="2000"/>
-              </a:lnSpc>
               <a:buNone/>
-              <a:defRPr sz="2200" b="1" cap="all" baseline="0"/>
+              <a:defRPr lang="en-US" sz="2400" baseline="0" smtClean="0"/>
             </a:lvl1pPr>
             <a:extLst/>
           </a:lstStyle>
@@ -2618,20 +2294,22 @@
         </p:nvSpPr>
         <p:spPr>
           <a:xfrm>
-            <a:off x="457200" y="1406964"/>
-            <a:ext cx="3810000" cy="698500"/>
+            <a:off x="457200" y="1497416"/>
+            <a:ext cx="5897880" cy="602512"/>
           </a:xfrm>
         </p:spPr>
         <p:txBody>
-          <a:bodyPr/>
-          <a:lstStyle>
-            <a:lvl1pPr marL="45720" indent="0">
-              <a:lnSpc>
-                <a:spcPct val="100000"/>
-              </a:lnSpc>
+          <a:bodyPr rot="0" spcFirstLastPara="0" vertOverflow="overflow" horzOverflow="overflow" vert="horz" wrap="square" lIns="45720" tIns="0" rIns="0" bIns="0" numCol="1" spcCol="0" rtlCol="0" fromWordArt="0" anchor="t" anchorCtr="0" forceAA="0" compatLnSpc="1">
+            <a:normAutofit/>
+          </a:bodyPr>
+          <a:lstStyle>
+            <a:lvl1pPr marL="0" indent="0">
               <a:spcBef>
                 <a:spcPts val="0"/>
               </a:spcBef>
+              <a:spcAft>
+                <a:spcPts val="0"/>
+              </a:spcAft>
               <a:buNone/>
               <a:defRPr sz="1400"/>
             </a:lvl1pPr>
@@ -2675,7 +2353,7 @@
         <p:spPr>
           <a:xfrm>
             <a:off x="457200" y="2133600"/>
-            <a:ext cx="8153400" cy="3992563"/>
+            <a:ext cx="7239000" cy="4371752"/>
           </a:xfrm>
         </p:spPr>
         <p:txBody>
@@ -2756,7 +2434,7 @@
             <a:fld id="{10CB81F0-6A2E-4F46-9B0B-01E656BD2A4E}" type="datetimeFigureOut">
               <a:rPr lang="de-DE" smtClean="0"/>
               <a:pPr/>
-              <a:t>09.10.2011</a:t>
+              <a:t>04.12.2011</a:t>
             </a:fld>
             <a:endParaRPr lang="de-DE"/>
           </a:p>
@@ -2820,446 +2498,8 @@
 <file path=ppt/slideLayouts/slideLayout9.xml><?xml version="1.0" encoding="utf-8"?>
 <p:sldLayout xmlns:a="http://schemas.openxmlformats.org/drawingml/2006/main" xmlns:r="http://schemas.openxmlformats.org/officeDocument/2006/relationships" xmlns:p="http://schemas.openxmlformats.org/presentationml/2006/main" showMasterSp="0" type="picTx" preserve="1">
   <p:cSld name="Bild mit Überschrift">
-    <p:spTree>
-      <p:nvGrpSpPr>
-        <p:cNvPr id="1" name=""/>
-        <p:cNvGrpSpPr/>
-        <p:nvPr/>
-      </p:nvGrpSpPr>
-      <p:grpSpPr>
-        <a:xfrm>
-          <a:off x="0" y="0"/>
-          <a:ext cx="0" cy="0"/>
-          <a:chOff x="0" y="0"/>
-          <a:chExt cx="0" cy="0"/>
-        </a:xfrm>
-      </p:grpSpPr>
-      <p:sp>
-        <p:nvSpPr>
-          <p:cNvPr id="2" name="Titel 1"/>
-          <p:cNvSpPr>
-            <a:spLocks noGrp="1"/>
-          </p:cNvSpPr>
-          <p:nvPr>
-            <p:ph type="title"/>
-          </p:nvPr>
-        </p:nvSpPr>
-        <p:spPr>
-          <a:xfrm>
-            <a:off x="5886896" y="1066800"/>
-            <a:ext cx="2743200" cy="1981200"/>
-          </a:xfrm>
-        </p:spPr>
-        <p:txBody>
-          <a:bodyPr anchor="b">
-            <a:noAutofit/>
-          </a:bodyPr>
-          <a:lstStyle>
-            <a:lvl1pPr algn="l">
-              <a:buNone/>
-              <a:defRPr sz="2100" b="1">
-                <a:effectLst/>
-              </a:defRPr>
-            </a:lvl1pPr>
-            <a:extLst/>
-          </a:lstStyle>
-          <a:p>
-            <a:r>
-              <a:rPr kumimoji="0" lang="de-DE" smtClean="0"/>
-              <a:t>Titelmasterformat durch Klicken bearbeiten</a:t>
-            </a:r>
-            <a:endParaRPr kumimoji="0" lang="en-US"/>
-          </a:p>
-        </p:txBody>
-      </p:sp>
-      <p:sp>
-        <p:nvSpPr>
-          <p:cNvPr id="5" name="Datumsplatzhalter 4"/>
-          <p:cNvSpPr>
-            <a:spLocks noGrp="1"/>
-          </p:cNvSpPr>
-          <p:nvPr>
-            <p:ph type="dt" sz="half" idx="10"/>
-          </p:nvPr>
-        </p:nvSpPr>
-        <p:spPr/>
-        <p:txBody>
-          <a:bodyPr/>
-          <a:lstStyle>
-            <a:extLst/>
-          </a:lstStyle>
-          <a:p>
-            <a:fld id="{10CB81F0-6A2E-4F46-9B0B-01E656BD2A4E}" type="datetimeFigureOut">
-              <a:rPr lang="de-DE" smtClean="0"/>
-              <a:pPr/>
-              <a:t>09.10.2011</a:t>
-            </a:fld>
-            <a:endParaRPr lang="de-DE"/>
-          </a:p>
-        </p:txBody>
-      </p:sp>
-      <p:sp>
-        <p:nvSpPr>
-          <p:cNvPr id="6" name="Fußzeilenplatzhalter 5"/>
-          <p:cNvSpPr>
-            <a:spLocks noGrp="1"/>
-          </p:cNvSpPr>
-          <p:nvPr>
-            <p:ph type="ftr" sz="quarter" idx="11"/>
-          </p:nvPr>
-        </p:nvSpPr>
-        <p:spPr/>
-        <p:txBody>
-          <a:bodyPr/>
-          <a:lstStyle>
-            <a:extLst/>
-          </a:lstStyle>
-          <a:p>
-            <a:endParaRPr lang="de-DE"/>
-          </a:p>
-        </p:txBody>
-      </p:sp>
-      <p:sp>
-        <p:nvSpPr>
-          <p:cNvPr id="7" name="Foliennummernplatzhalter 6"/>
-          <p:cNvSpPr>
-            <a:spLocks noGrp="1"/>
-          </p:cNvSpPr>
-          <p:nvPr>
-            <p:ph type="sldNum" sz="quarter" idx="12"/>
-          </p:nvPr>
-        </p:nvSpPr>
-        <p:spPr/>
-        <p:txBody>
-          <a:bodyPr/>
-          <a:lstStyle>
-            <a:extLst/>
-          </a:lstStyle>
-          <a:p>
-            <a:fld id="{39248FC2-617D-4179-87DB-4E998D38E8B0}" type="slidenum">
-              <a:rPr lang="de-DE" smtClean="0"/>
-              <a:pPr/>
-              <a:t>‹Nr.›</a:t>
-            </a:fld>
-            <a:endParaRPr lang="de-DE"/>
-          </a:p>
-        </p:txBody>
-      </p:sp>
-      <p:sp>
-        <p:nvSpPr>
-          <p:cNvPr id="8" name="Rechteck 7"/>
-          <p:cNvSpPr/>
-          <p:nvPr/>
-        </p:nvSpPr>
-        <p:spPr>
-          <a:xfrm>
-            <a:off x="762000" y="1066800"/>
-            <a:ext cx="4572000" cy="4572000"/>
-          </a:xfrm>
-          <a:prstGeom prst="rect">
-            <a:avLst/>
-          </a:prstGeom>
-          <a:solidFill>
-            <a:srgbClr val="FFFFFF"/>
-          </a:solidFill>
-          <a:ln w="88900" cap="sq">
-            <a:solidFill>
-              <a:srgbClr val="FFFFFF"/>
-            </a:solidFill>
-            <a:miter lim="800000"/>
-          </a:ln>
-          <a:effectLst>
-            <a:outerShdw blurRad="55500" dist="18500" dir="5400000" algn="tl" rotWithShape="0">
-              <a:srgbClr val="000000">
-                <a:alpha val="35000"/>
-              </a:srgbClr>
-            </a:outerShdw>
-          </a:effectLst>
-          <a:scene3d>
-            <a:camera prst="orthographicFront"/>
-            <a:lightRig rig="twoPt" dir="t">
-              <a:rot lat="0" lon="0" rev="7200000"/>
-            </a:lightRig>
-          </a:scene3d>
-          <a:sp3d contourW="635">
-            <a:bevelT w="25400" h="19050"/>
-            <a:contourClr>
-              <a:srgbClr val="969696"/>
-            </a:contourClr>
-          </a:sp3d>
-        </p:spPr>
-        <p:txBody>
-          <a:bodyPr lIns="91440" tIns="274320" rtlCol="0" anchor="t">
-            <a:normAutofit/>
-          </a:bodyPr>
-          <a:lstStyle>
-            <a:extLst/>
-          </a:lstStyle>
-          <a:p>
-            <a:pPr marL="0" indent="-283464" algn="l" rtl="0" eaLnBrk="1" latinLnBrk="0" hangingPunct="1">
-              <a:lnSpc>
-                <a:spcPts val="3000"/>
-              </a:lnSpc>
-              <a:spcBef>
-                <a:spcPts val="600"/>
-              </a:spcBef>
-              <a:buClr>
-                <a:schemeClr val="accent1"/>
-              </a:buClr>
-              <a:buSzPct val="80000"/>
-              <a:buFont typeface="Wingdings 2"/>
-              <a:buNone/>
-            </a:pPr>
-            <a:endParaRPr kumimoji="0" lang="en-US" sz="3200" kern="1200">
-              <a:solidFill>
-                <a:schemeClr val="tx1"/>
-              </a:solidFill>
-              <a:latin typeface="+mn-lt"/>
-              <a:ea typeface="+mn-ea"/>
-              <a:cs typeface="+mn-cs"/>
-            </a:endParaRPr>
-          </a:p>
-        </p:txBody>
-      </p:sp>
-      <p:sp>
-        <p:nvSpPr>
-          <p:cNvPr id="3" name="Bildplatzhalter 2"/>
-          <p:cNvSpPr>
-            <a:spLocks noGrp="1"/>
-          </p:cNvSpPr>
-          <p:nvPr>
-            <p:ph type="pic" idx="1"/>
-          </p:nvPr>
-        </p:nvSpPr>
-        <p:spPr>
-          <a:xfrm>
-            <a:off x="838200" y="1143003"/>
-            <a:ext cx="4419600" cy="3514531"/>
-          </a:xfrm>
-          <a:prstGeom prst="roundRect">
-            <a:avLst>
-              <a:gd name="adj" fmla="val 783"/>
-            </a:avLst>
-          </a:prstGeom>
-          <a:solidFill>
-            <a:schemeClr val="bg2"/>
-          </a:solidFill>
-          <a:ln w="127000">
-            <a:noFill/>
-            <a:miter lim="800000"/>
-          </a:ln>
-          <a:effectLst/>
-        </p:spPr>
-        <p:txBody>
-          <a:bodyPr lIns="91440" tIns="274320" anchor="t"/>
-          <a:lstStyle>
-            <a:lvl1pPr indent="0">
-              <a:buNone/>
-              <a:defRPr sz="3200"/>
-            </a:lvl1pPr>
-            <a:extLst/>
-          </a:lstStyle>
-          <a:p>
-            <a:pPr marL="0" algn="l" eaLnBrk="1" latinLnBrk="0" hangingPunct="1"/>
-            <a:r>
-              <a:rPr kumimoji="0" lang="de-DE" smtClean="0"/>
-              <a:t>Bild durch Klicken auf Symbol hinzufügen</a:t>
-            </a:r>
-            <a:endParaRPr kumimoji="0" lang="en-US" dirty="0"/>
-          </a:p>
-        </p:txBody>
-      </p:sp>
-      <p:sp>
-        <p:nvSpPr>
-          <p:cNvPr id="9" name="Flussdiagramm: Prozess 8"/>
-          <p:cNvSpPr/>
-          <p:nvPr/>
-        </p:nvSpPr>
-        <p:spPr>
-          <a:xfrm rot="19468671">
-            <a:off x="396725" y="954341"/>
-            <a:ext cx="685800" cy="204310"/>
-          </a:xfrm>
-          <a:prstGeom prst="flowChartProcess">
-            <a:avLst/>
-          </a:prstGeom>
-          <a:solidFill>
-            <a:srgbClr val="FBFBFB">
-              <a:alpha val="45098"/>
-            </a:srgbClr>
-          </a:solidFill>
-          <a:ln w="6350" cap="rnd" cmpd="sng" algn="ctr">
-            <a:solidFill>
-              <a:srgbClr val="FFFFFF">
-                <a:alpha val="100000"/>
-              </a:srgbClr>
-            </a:solidFill>
-            <a:prstDash val="solid"/>
-          </a:ln>
-          <a:effectLst>
-            <a:outerShdw blurRad="25400" dist="25400" dir="3300000" sx="96000" sy="96000" algn="tl" rotWithShape="0">
-              <a:schemeClr val="bg2">
-                <a:shade val="90000"/>
-                <a:satMod val="200000"/>
-                <a:alpha val="40000"/>
-              </a:schemeClr>
-            </a:outerShdw>
-          </a:effectLst>
-        </p:spPr>
-        <p:style>
-          <a:lnRef idx="3">
-            <a:schemeClr val="lt1"/>
-          </a:lnRef>
-          <a:fillRef idx="1">
-            <a:schemeClr val="accent1"/>
-          </a:fillRef>
-          <a:effectRef idx="1">
-            <a:schemeClr val="accent1"/>
-          </a:effectRef>
-          <a:fontRef idx="minor">
-            <a:schemeClr val="lt1"/>
-          </a:fontRef>
-        </p:style>
-        <p:txBody>
-          <a:bodyPr anchor="ctr"/>
-          <a:lstStyle>
-            <a:extLst/>
-          </a:lstStyle>
-          <a:p>
-            <a:pPr algn="ctr" eaLnBrk="1" latinLnBrk="0" hangingPunct="1"/>
-            <a:endParaRPr kumimoji="0" lang="en-US"/>
-          </a:p>
-        </p:txBody>
-      </p:sp>
-      <p:sp>
-        <p:nvSpPr>
-          <p:cNvPr id="10" name="Flussdiagramm: Prozess 9"/>
-          <p:cNvSpPr/>
-          <p:nvPr/>
-        </p:nvSpPr>
-        <p:spPr>
-          <a:xfrm rot="2103354" flipH="1">
-            <a:off x="5003667" y="936786"/>
-            <a:ext cx="649224" cy="204310"/>
-          </a:xfrm>
-          <a:prstGeom prst="flowChartProcess">
-            <a:avLst/>
-          </a:prstGeom>
-          <a:solidFill>
-            <a:srgbClr val="FBFBFB">
-              <a:alpha val="45098"/>
-            </a:srgbClr>
-          </a:solidFill>
-          <a:ln w="6350" cap="rnd" cmpd="sng" algn="ctr">
-            <a:solidFill>
-              <a:srgbClr val="FFFFFF">
-                <a:alpha val="100000"/>
-              </a:srgbClr>
-            </a:solidFill>
-            <a:prstDash val="solid"/>
-          </a:ln>
-          <a:effectLst>
-            <a:outerShdw blurRad="25400" dist="25400" dir="3300000" sx="96000" sy="96000" algn="tl" rotWithShape="0">
-              <a:schemeClr val="bg2">
-                <a:alpha val="20000"/>
-              </a:schemeClr>
-            </a:outerShdw>
-          </a:effectLst>
-        </p:spPr>
-        <p:style>
-          <a:lnRef idx="3">
-            <a:schemeClr val="lt1"/>
-          </a:lnRef>
-          <a:fillRef idx="1">
-            <a:schemeClr val="accent1"/>
-          </a:fillRef>
-          <a:effectRef idx="1">
-            <a:schemeClr val="accent1"/>
-          </a:effectRef>
-          <a:fontRef idx="minor">
-            <a:schemeClr val="lt1"/>
-          </a:fontRef>
-        </p:style>
-        <p:txBody>
-          <a:bodyPr anchor="ctr"/>
-          <a:lstStyle>
-            <a:extLst/>
-          </a:lstStyle>
-          <a:p>
-            <a:pPr algn="ctr" eaLnBrk="1" latinLnBrk="0" hangingPunct="1"/>
-            <a:endParaRPr kumimoji="0" lang="en-US" dirty="0"/>
-          </a:p>
-        </p:txBody>
-      </p:sp>
-      <p:sp>
-        <p:nvSpPr>
-          <p:cNvPr id="4" name="Textplatzhalter 3"/>
-          <p:cNvSpPr>
-            <a:spLocks noGrp="1"/>
-          </p:cNvSpPr>
-          <p:nvPr>
-            <p:ph type="body" sz="half" idx="2"/>
-          </p:nvPr>
-        </p:nvSpPr>
-        <p:spPr>
-          <a:xfrm>
-            <a:off x="838200" y="4800600"/>
-            <a:ext cx="4419600" cy="762000"/>
-          </a:xfrm>
-        </p:spPr>
-        <p:txBody>
-          <a:bodyPr anchor="ctr"/>
-          <a:lstStyle>
-            <a:lvl1pPr marL="0" indent="0" algn="l">
-              <a:lnSpc>
-                <a:spcPts val="1600"/>
-              </a:lnSpc>
-              <a:spcBef>
-                <a:spcPts val="0"/>
-              </a:spcBef>
-              <a:buNone/>
-              <a:defRPr sz="1400">
-                <a:solidFill>
-                  <a:srgbClr val="777777"/>
-                </a:solidFill>
-              </a:defRPr>
-            </a:lvl1pPr>
-            <a:lvl2pPr>
-              <a:defRPr sz="1200"/>
-            </a:lvl2pPr>
-            <a:lvl3pPr>
-              <a:defRPr sz="1000"/>
-            </a:lvl3pPr>
-            <a:lvl4pPr>
-              <a:defRPr sz="900"/>
-            </a:lvl4pPr>
-            <a:lvl5pPr>
-              <a:defRPr sz="900"/>
-            </a:lvl5pPr>
-            <a:extLst/>
-          </a:lstStyle>
-          <a:p>
-            <a:pPr lvl="0" eaLnBrk="1" latinLnBrk="0" hangingPunct="1"/>
-            <a:r>
-              <a:rPr kumimoji="0" lang="de-DE" smtClean="0"/>
-              <a:t>Textmasterformate durch Klicken bearbeiten</a:t>
-            </a:r>
-          </a:p>
-        </p:txBody>
-      </p:sp>
-    </p:spTree>
-  </p:cSld>
-  <p:clrMapOvr>
-    <a:masterClrMapping/>
-  </p:clrMapOvr>
-</p:sldLayout>
-</file>
-
-<file path=ppt/slideMasters/slideMaster1.xml><?xml version="1.0" encoding="utf-8"?>
-<p:sldMaster xmlns:a="http://schemas.openxmlformats.org/drawingml/2006/main" xmlns:r="http://schemas.openxmlformats.org/officeDocument/2006/relationships" xmlns:p="http://schemas.openxmlformats.org/presentationml/2006/main">
-  <p:cSld>
     <p:bg>
-      <p:bgRef idx="1003">
+      <p:bgRef idx="1002">
         <a:schemeClr val="bg2"/>
       </p:bgRef>
     </p:bg>
@@ -3279,48 +2519,43 @@
       </p:grpSpPr>
       <p:sp>
         <p:nvSpPr>
-          <p:cNvPr id="7" name="Torte 6"/>
+          <p:cNvPr id="8" name="Rechteck 7"/>
           <p:cNvSpPr/>
           <p:nvPr/>
         </p:nvSpPr>
         <p:spPr>
-          <a:xfrm>
-            <a:off x="-815927" y="-815922"/>
-            <a:ext cx="1638887" cy="1638887"/>
+          <a:xfrm rot="21240000">
+            <a:off x="597968" y="1004668"/>
+            <a:ext cx="4319527" cy="4312573"/>
           </a:xfrm>
-          <a:prstGeom prst="pie">
-            <a:avLst>
-              <a:gd name="adj1" fmla="val 0"/>
-              <a:gd name="adj2" fmla="val 5402120"/>
-            </a:avLst>
+          <a:prstGeom prst="rect">
+            <a:avLst/>
           </a:prstGeom>
           <a:solidFill>
-            <a:schemeClr val="bg2">
-              <a:tint val="18000"/>
-              <a:satMod val="220000"/>
-              <a:alpha val="33000"/>
-            </a:schemeClr>
+            <a:srgbClr val="FAFAFA"/>
           </a:solidFill>
-          <a:ln w="3175" cap="rnd" cmpd="sng" algn="ctr">
+          <a:ln w="1270" cap="rnd" cmpd="sng" algn="ctr">
             <a:solidFill>
-              <a:schemeClr val="bg2">
-                <a:shade val="70000"/>
-                <a:satMod val="200000"/>
-                <a:alpha val="100000"/>
-              </a:schemeClr>
+              <a:srgbClr val="EAEAEA"/>
             </a:solidFill>
             <a:prstDash val="solid"/>
           </a:ln>
-          <a:effectLst/>
+          <a:effectLst>
+            <a:outerShdw blurRad="25000" dist="12700" dir="5400000" algn="t" rotWithShape="0">
+              <a:srgbClr val="000000">
+                <a:alpha val="40000"/>
+              </a:srgbClr>
+            </a:outerShdw>
+          </a:effectLst>
         </p:spPr>
         <p:style>
-          <a:lnRef idx="3">
-            <a:schemeClr val="lt1"/>
+          <a:lnRef idx="2">
+            <a:schemeClr val="accent1"/>
           </a:lnRef>
           <a:fillRef idx="1">
             <a:schemeClr val="accent1"/>
           </a:fillRef>
-          <a:effectRef idx="1">
+          <a:effectRef idx="0">
             <a:schemeClr val="accent1"/>
           </a:effectRef>
           <a:fontRef idx="minor">
@@ -3328,7 +2563,7 @@
           </a:fontRef>
         </p:style>
         <p:txBody>
-          <a:bodyPr anchor="ctr"/>
+          <a:bodyPr rtlCol="0" anchor="ctr"/>
           <a:lstStyle>
             <a:extLst/>
           </a:lstStyle>
@@ -3340,37 +2575,427 @@
       </p:sp>
       <p:sp>
         <p:nvSpPr>
-          <p:cNvPr id="8" name="Ellipse 7"/>
+          <p:cNvPr id="9" name="Rechteck 8"/>
           <p:cNvSpPr/>
           <p:nvPr/>
         </p:nvSpPr>
         <p:spPr>
-          <a:xfrm>
-            <a:off x="168816" y="21102"/>
-            <a:ext cx="1702191" cy="1702191"/>
+          <a:xfrm rot="21420000">
+            <a:off x="596706" y="998816"/>
+            <a:ext cx="4319527" cy="4312573"/>
           </a:xfrm>
-          <a:prstGeom prst="ellipse">
+          <a:prstGeom prst="rect">
             <a:avLst/>
           </a:prstGeom>
-          <a:noFill/>
-          <a:ln w="27305" cap="rnd" cmpd="sng" algn="ctr">
+          <a:solidFill>
+            <a:srgbClr val="FAFAFA"/>
+          </a:solidFill>
+          <a:ln w="1270" cap="rnd" cmpd="sng" algn="ctr">
             <a:solidFill>
-              <a:schemeClr val="bg2">
-                <a:tint val="45000"/>
-                <a:satMod val="325000"/>
-                <a:alpha val="100000"/>
-              </a:schemeClr>
+              <a:srgbClr val="EAEAEA"/>
             </a:solidFill>
             <a:prstDash val="solid"/>
           </a:ln>
           <a:effectLst>
-            <a:outerShdw blurRad="25400" dist="25400" dir="5400000" algn="tl" rotWithShape="0">
-              <a:schemeClr val="bg2">
-                <a:shade val="50000"/>
-                <a:satMod val="150000"/>
-                <a:alpha val="85000"/>
-              </a:schemeClr>
+            <a:outerShdw blurRad="28000" dist="12700" dir="5400000" algn="tl" rotWithShape="0">
+              <a:srgbClr val="000000">
+                <a:alpha val="40000"/>
+              </a:srgbClr>
             </a:outerShdw>
+          </a:effectLst>
+        </p:spPr>
+        <p:style>
+          <a:lnRef idx="2">
+            <a:schemeClr val="accent1"/>
+          </a:lnRef>
+          <a:fillRef idx="1">
+            <a:schemeClr val="accent1"/>
+          </a:fillRef>
+          <a:effectRef idx="0">
+            <a:schemeClr val="accent1"/>
+          </a:effectRef>
+          <a:fontRef idx="minor">
+            <a:schemeClr val="lt1"/>
+          </a:fontRef>
+        </p:style>
+        <p:txBody>
+          <a:bodyPr rtlCol="0" anchor="ctr"/>
+          <a:lstStyle>
+            <a:extLst/>
+          </a:lstStyle>
+          <a:p>
+            <a:pPr algn="ctr" eaLnBrk="1" latinLnBrk="0" hangingPunct="1"/>
+            <a:endParaRPr kumimoji="0" lang="en-US"/>
+          </a:p>
+        </p:txBody>
+      </p:sp>
+      <p:sp>
+        <p:nvSpPr>
+          <p:cNvPr id="2" name="Titel 1"/>
+          <p:cNvSpPr>
+            <a:spLocks noGrp="1"/>
+          </p:cNvSpPr>
+          <p:nvPr>
+            <p:ph type="title"/>
+          </p:nvPr>
+        </p:nvSpPr>
+        <p:spPr>
+          <a:xfrm>
+            <a:off x="5389098" y="1143000"/>
+            <a:ext cx="3429000" cy="2057400"/>
+          </a:xfrm>
+        </p:spPr>
+        <p:txBody>
+          <a:bodyPr vert="horz" anchor="b"/>
+          <a:lstStyle>
+            <a:lvl1pPr algn="l">
+              <a:buNone/>
+              <a:defRPr sz="3000" b="1" baseline="0">
+                <a:ln w="500">
+                  <a:solidFill>
+                    <a:schemeClr val="tx2">
+                      <a:shade val="10000"/>
+                      <a:satMod val="135000"/>
+                    </a:schemeClr>
+                  </a:solidFill>
+                </a:ln>
+                <a:gradFill>
+                  <a:gsLst>
+                    <a:gs pos="0">
+                      <a:schemeClr val="accent4">
+                        <a:tint val="13000"/>
+                      </a:schemeClr>
+                    </a:gs>
+                    <a:gs pos="10000">
+                      <a:schemeClr val="accent4">
+                        <a:tint val="20000"/>
+                      </a:schemeClr>
+                    </a:gs>
+                    <a:gs pos="49000">
+                      <a:schemeClr val="accent4">
+                        <a:tint val="70000"/>
+                      </a:schemeClr>
+                    </a:gs>
+                    <a:gs pos="50000">
+                      <a:schemeClr val="accent4">
+                        <a:tint val="97000"/>
+                      </a:schemeClr>
+                    </a:gs>
+                    <a:gs pos="100000">
+                      <a:schemeClr val="accent4">
+                        <a:tint val="20000"/>
+                      </a:schemeClr>
+                    </a:gs>
+                  </a:gsLst>
+                  <a:lin ang="5400000" scaled="1"/>
+                </a:gradFill>
+                <a:effectLst/>
+              </a:defRPr>
+            </a:lvl1pPr>
+            <a:extLst/>
+          </a:lstStyle>
+          <a:p>
+            <a:r>
+              <a:rPr kumimoji="0" lang="de-DE" smtClean="0"/>
+              <a:t>Titelmasterformat durch Klicken bearbeiten</a:t>
+            </a:r>
+            <a:endParaRPr kumimoji="0" lang="en-US" dirty="0"/>
+          </a:p>
+        </p:txBody>
+      </p:sp>
+      <p:sp>
+        <p:nvSpPr>
+          <p:cNvPr id="4" name="Textplatzhalter 3"/>
+          <p:cNvSpPr>
+            <a:spLocks noGrp="1"/>
+          </p:cNvSpPr>
+          <p:nvPr>
+            <p:ph type="body" sz="half" idx="2"/>
+          </p:nvPr>
+        </p:nvSpPr>
+        <p:spPr>
+          <a:xfrm>
+            <a:off x="5389098" y="3283634"/>
+            <a:ext cx="3429000" cy="1920240"/>
+          </a:xfrm>
+        </p:spPr>
+        <p:txBody>
+          <a:bodyPr rot="0" spcFirstLastPara="0" vertOverflow="overflow" horzOverflow="overflow" vert="horz" wrap="square" lIns="82296" tIns="0" rIns="0" bIns="0" numCol="1" spcCol="0" rtlCol="0" fromWordArt="0" anchor="t" anchorCtr="0" forceAA="0" compatLnSpc="1">
+            <a:normAutofit/>
+          </a:bodyPr>
+          <a:lstStyle>
+            <a:lvl1pPr marL="0" indent="0">
+              <a:lnSpc>
+                <a:spcPct val="100000"/>
+              </a:lnSpc>
+              <a:spcBef>
+                <a:spcPts val="0"/>
+              </a:spcBef>
+              <a:buFontTx/>
+              <a:buNone/>
+              <a:defRPr sz="1400" baseline="0">
+                <a:solidFill>
+                  <a:schemeClr val="tx1"/>
+                </a:solidFill>
+              </a:defRPr>
+            </a:lvl1pPr>
+            <a:lvl2pPr>
+              <a:defRPr sz="1200"/>
+            </a:lvl2pPr>
+            <a:lvl3pPr>
+              <a:defRPr sz="1000"/>
+            </a:lvl3pPr>
+            <a:lvl4pPr>
+              <a:defRPr sz="900"/>
+            </a:lvl4pPr>
+            <a:lvl5pPr>
+              <a:defRPr sz="900"/>
+            </a:lvl5pPr>
+            <a:extLst/>
+          </a:lstStyle>
+          <a:p>
+            <a:pPr marL="0" marR="0" lvl="0" indent="0" algn="l" defTabSz="0" rtl="0" eaLnBrk="1" fontAlgn="auto" latinLnBrk="0" hangingPunct="1">
+              <a:lnSpc>
+                <a:spcPct val="100000"/>
+              </a:lnSpc>
+              <a:spcBef>
+                <a:spcPts val="0"/>
+              </a:spcBef>
+              <a:spcAft>
+                <a:spcPts val="0"/>
+              </a:spcAft>
+              <a:buClr>
+                <a:schemeClr val="tx2"/>
+              </a:buClr>
+              <a:buSzPct val="73000"/>
+              <a:buFontTx/>
+              <a:buNone/>
+              <a:tabLst/>
+              <a:defRPr/>
+            </a:pPr>
+            <a:r>
+              <a:rPr kumimoji="0" lang="de-DE" smtClean="0"/>
+              <a:t>Textmasterformate durch Klicken bearbeiten</a:t>
+            </a:r>
+          </a:p>
+        </p:txBody>
+      </p:sp>
+      <p:sp>
+        <p:nvSpPr>
+          <p:cNvPr id="5" name="Datumsplatzhalter 4"/>
+          <p:cNvSpPr>
+            <a:spLocks noGrp="1"/>
+          </p:cNvSpPr>
+          <p:nvPr>
+            <p:ph type="dt" sz="half" idx="10"/>
+          </p:nvPr>
+        </p:nvSpPr>
+        <p:spPr/>
+        <p:txBody>
+          <a:bodyPr/>
+          <a:lstStyle>
+            <a:extLst/>
+          </a:lstStyle>
+          <a:p>
+            <a:fld id="{10CB81F0-6A2E-4F46-9B0B-01E656BD2A4E}" type="datetimeFigureOut">
+              <a:rPr lang="de-DE" smtClean="0"/>
+              <a:pPr/>
+              <a:t>04.12.2011</a:t>
+            </a:fld>
+            <a:endParaRPr lang="de-DE"/>
+          </a:p>
+        </p:txBody>
+      </p:sp>
+      <p:sp>
+        <p:nvSpPr>
+          <p:cNvPr id="6" name="Fußzeilenplatzhalter 5"/>
+          <p:cNvSpPr>
+            <a:spLocks noGrp="1"/>
+          </p:cNvSpPr>
+          <p:nvPr>
+            <p:ph type="ftr" sz="quarter" idx="11"/>
+          </p:nvPr>
+        </p:nvSpPr>
+        <p:spPr/>
+        <p:txBody>
+          <a:bodyPr/>
+          <a:lstStyle>
+            <a:extLst/>
+          </a:lstStyle>
+          <a:p>
+            <a:endParaRPr lang="de-DE"/>
+          </a:p>
+        </p:txBody>
+      </p:sp>
+      <p:sp>
+        <p:nvSpPr>
+          <p:cNvPr id="7" name="Foliennummernplatzhalter 6"/>
+          <p:cNvSpPr>
+            <a:spLocks noGrp="1"/>
+          </p:cNvSpPr>
+          <p:nvPr>
+            <p:ph type="sldNum" sz="quarter" idx="12"/>
+          </p:nvPr>
+        </p:nvSpPr>
+        <p:spPr/>
+        <p:txBody>
+          <a:bodyPr/>
+          <a:lstStyle>
+            <a:extLst/>
+          </a:lstStyle>
+          <a:p>
+            <a:fld id="{39248FC2-617D-4179-87DB-4E998D38E8B0}" type="slidenum">
+              <a:rPr lang="de-DE" smtClean="0"/>
+              <a:pPr/>
+              <a:t>‹Nr.›</a:t>
+            </a:fld>
+            <a:endParaRPr lang="de-DE"/>
+          </a:p>
+        </p:txBody>
+      </p:sp>
+      <p:sp>
+        <p:nvSpPr>
+          <p:cNvPr id="10" name="Bildplatzhalter 9"/>
+          <p:cNvSpPr>
+            <a:spLocks noGrp="1"/>
+          </p:cNvSpPr>
+          <p:nvPr>
+            <p:ph type="pic" idx="1"/>
+          </p:nvPr>
+        </p:nvSpPr>
+        <p:spPr>
+          <a:xfrm>
+            <a:off x="663682" y="1041002"/>
+            <a:ext cx="4206240" cy="4206240"/>
+          </a:xfrm>
+          <a:solidFill>
+            <a:schemeClr val="bg2">
+              <a:shade val="50000"/>
+            </a:schemeClr>
+          </a:solidFill>
+          <a:ln w="107950">
+            <a:solidFill>
+              <a:srgbClr val="FFFFFF"/>
+            </a:solidFill>
+            <a:miter lim="800000"/>
+          </a:ln>
+          <a:effectLst>
+            <a:outerShdw blurRad="44450" dist="3810" dir="5400000" algn="tl" rotWithShape="0">
+              <a:srgbClr val="000000">
+                <a:alpha val="60000"/>
+              </a:srgbClr>
+            </a:outerShdw>
+          </a:effectLst>
+          <a:scene3d>
+            <a:camera prst="orthographicFront"/>
+            <a:lightRig rig="threePt" dir="t"/>
+          </a:scene3d>
+          <a:sp3d contourW="3810">
+            <a:contourClr>
+              <a:srgbClr val="969696"/>
+            </a:contourClr>
+          </a:sp3d>
+        </p:spPr>
+        <p:txBody>
+          <a:bodyPr/>
+          <a:lstStyle>
+            <a:lvl1pPr marL="0" indent="0">
+              <a:buNone/>
+              <a:defRPr sz="3200"/>
+            </a:lvl1pPr>
+            <a:extLst/>
+          </a:lstStyle>
+          <a:p>
+            <a:r>
+              <a:rPr kumimoji="0" lang="de-DE" smtClean="0"/>
+              <a:t>Bild durch Klicken auf Symbol hinzufügen</a:t>
+            </a:r>
+            <a:endParaRPr kumimoji="0" lang="en-US" dirty="0"/>
+          </a:p>
+        </p:txBody>
+      </p:sp>
+    </p:spTree>
+  </p:cSld>
+  <p:clrMapOvr>
+    <a:overrideClrMapping bg1="dk1" tx1="lt1" bg2="dk2" tx2="lt2" accent1="accent1" accent2="accent2" accent3="accent3" accent4="accent4" accent5="accent5" accent6="accent6" hlink="hlink" folHlink="folHlink"/>
+  </p:clrMapOvr>
+</p:sldLayout>
+</file>
+
+<file path=ppt/slideMasters/slideMaster1.xml><?xml version="1.0" encoding="utf-8"?>
+<p:sldMaster xmlns:a="http://schemas.openxmlformats.org/drawingml/2006/main" xmlns:r="http://schemas.openxmlformats.org/officeDocument/2006/relationships" xmlns:p="http://schemas.openxmlformats.org/presentationml/2006/main">
+  <p:cSld>
+    <p:bg>
+      <p:bgRef idx="1001">
+        <a:schemeClr val="bg1"/>
+      </p:bgRef>
+    </p:bg>
+    <p:spTree>
+      <p:nvGrpSpPr>
+        <p:cNvPr id="1" name=""/>
+        <p:cNvGrpSpPr/>
+        <p:nvPr/>
+      </p:nvGrpSpPr>
+      <p:grpSpPr>
+        <a:xfrm>
+          <a:off x="0" y="0"/>
+          <a:ext cx="0" cy="0"/>
+          <a:chOff x="0" y="0"/>
+          <a:chExt cx="0" cy="0"/>
+        </a:xfrm>
+      </p:grpSpPr>
+      <p:sp>
+        <p:nvSpPr>
+          <p:cNvPr id="9" name="Rechteck 8"/>
+          <p:cNvSpPr/>
+          <p:nvPr/>
+        </p:nvSpPr>
+        <p:spPr>
+          <a:xfrm flipH="1">
+            <a:off x="8153400" y="0"/>
+            <a:ext cx="990600" cy="6858000"/>
+          </a:xfrm>
+          <a:prstGeom prst="rect">
+            <a:avLst/>
+          </a:prstGeom>
+          <a:blipFill>
+            <a:blip r:embed="rId13" cstate="print">
+              <a:alphaModFix amt="43000"/>
+            </a:blip>
+            <a:tile tx="0" ty="0" sx="50000" sy="50000" flip="none" algn="tl"/>
+          </a:blipFill>
+          <a:ln w="0" cap="flat" cmpd="sng" algn="ctr">
+            <a:noFill/>
+            <a:prstDash val="solid"/>
+          </a:ln>
+          <a:effectLst>
+            <a:fillOverlay blend="mult">
+              <a:gradFill rotWithShape="1">
+                <a:gsLst>
+                  <a:gs pos="0">
+                    <a:schemeClr val="tx2">
+                      <a:tint val="62000"/>
+                      <a:satMod val="420000"/>
+                    </a:schemeClr>
+                  </a:gs>
+                  <a:gs pos="100000">
+                    <a:schemeClr val="tx2">
+                      <a:shade val="20000"/>
+                      <a:satMod val="170000"/>
+                    </a:schemeClr>
+                  </a:gs>
+                </a:gsLst>
+                <a:path path="circle">
+                  <a:fillToRect l="50000" t="110000" r="50000" b="-10000"/>
+                </a:path>
+                <a:tileRect/>
+              </a:gradFill>
+            </a:fillOverlay>
+            <a:innerShdw blurRad="63500" dist="44450" dir="10800000">
+              <a:srgbClr val="000000">
+                <a:alpha val="45000"/>
+              </a:srgbClr>
+            </a:innerShdw>
           </a:effectLst>
         </p:spPr>
         <p:style>
@@ -3400,165 +3025,25 @@
       </p:sp>
       <p:sp>
         <p:nvSpPr>
-          <p:cNvPr id="11" name="Rad 10"/>
-          <p:cNvSpPr/>
-          <p:nvPr/>
-        </p:nvSpPr>
-        <p:spPr>
-          <a:xfrm rot="2315675">
-            <a:off x="182881" y="1055077"/>
-            <a:ext cx="1125717" cy="1102624"/>
-          </a:xfrm>
-          <a:prstGeom prst="donut">
-            <a:avLst>
-              <a:gd name="adj" fmla="val 11833"/>
-            </a:avLst>
-          </a:prstGeom>
-          <a:gradFill rotWithShape="1">
-            <a:gsLst>
-              <a:gs pos="0">
-                <a:schemeClr val="bg2">
-                  <a:tint val="10000"/>
-                  <a:shade val="99000"/>
-                  <a:satMod val="355000"/>
-                  <a:alpha val="70000"/>
-                </a:schemeClr>
-              </a:gs>
-              <a:gs pos="70000">
-                <a:schemeClr val="bg2">
-                  <a:tint val="6000"/>
-                  <a:shade val="100000"/>
-                  <a:satMod val="400000"/>
-                  <a:alpha val="55000"/>
-                </a:schemeClr>
-              </a:gs>
-              <a:gs pos="100000">
-                <a:schemeClr val="bg2">
-                  <a:tint val="100000"/>
-                  <a:shade val="75000"/>
-                  <a:satMod val="370000"/>
-                  <a:alpha val="60000"/>
-                </a:schemeClr>
-              </a:gs>
-            </a:gsLst>
-            <a:path path="circle">
-              <a:fillToRect l="-407500" t="-50000" r="507500" b="150000"/>
-            </a:path>
-          </a:gradFill>
-          <a:ln w="7350" cap="rnd" cmpd="sng" algn="ctr">
-            <a:solidFill>
-              <a:schemeClr val="bg2">
-                <a:shade val="60000"/>
-                <a:satMod val="220000"/>
-                <a:alpha val="100000"/>
-              </a:schemeClr>
-            </a:solidFill>
-            <a:prstDash val="solid"/>
-          </a:ln>
-          <a:effectLst>
-            <a:outerShdw blurRad="12700" dist="15000" dir="4500000" algn="tl" rotWithShape="0">
-              <a:schemeClr val="bg2">
-                <a:shade val="10000"/>
-                <a:satMod val="200000"/>
-                <a:alpha val="35000"/>
-              </a:schemeClr>
-            </a:outerShdw>
-          </a:effectLst>
-        </p:spPr>
-        <p:style>
-          <a:lnRef idx="3">
-            <a:schemeClr val="lt1"/>
-          </a:lnRef>
-          <a:fillRef idx="1">
-            <a:schemeClr val="accent1"/>
-          </a:fillRef>
-          <a:effectRef idx="1">
-            <a:schemeClr val="accent1"/>
-          </a:effectRef>
-          <a:fontRef idx="minor">
-            <a:schemeClr val="lt1"/>
-          </a:fontRef>
-        </p:style>
-        <p:txBody>
-          <a:bodyPr anchor="ctr"/>
-          <a:lstStyle>
-            <a:extLst/>
-          </a:lstStyle>
-          <a:p>
-            <a:pPr algn="ctr" eaLnBrk="1" latinLnBrk="0" hangingPunct="1"/>
-            <a:endParaRPr kumimoji="0" lang="en-US"/>
-          </a:p>
-        </p:txBody>
-      </p:sp>
-      <p:sp>
-        <p:nvSpPr>
-          <p:cNvPr id="12" name="Rechteck 11"/>
-          <p:cNvSpPr/>
-          <p:nvPr/>
+          <p:cNvPr id="3" name="Titelplatzhalter 2"/>
+          <p:cNvSpPr>
+            <a:spLocks noGrp="1"/>
+          </p:cNvSpPr>
+          <p:nvPr>
+            <p:ph type="title"/>
+          </p:nvPr>
         </p:nvSpPr>
         <p:spPr>
           <a:xfrm>
-            <a:off x="1012873" y="-54"/>
-            <a:ext cx="8131127" cy="6858054"/>
-          </a:xfrm>
-          <a:prstGeom prst="rect">
-            <a:avLst/>
-          </a:prstGeom>
-          <a:solidFill>
-            <a:schemeClr val="bg1"/>
-          </a:solidFill>
-          <a:ln w="25400" cap="rnd" cmpd="sng" algn="ctr">
-            <a:noFill/>
-            <a:prstDash val="solid"/>
-          </a:ln>
-          <a:effectLst/>
-        </p:spPr>
-        <p:style>
-          <a:lnRef idx="3">
-            <a:schemeClr val="lt1"/>
-          </a:lnRef>
-          <a:fillRef idx="1">
-            <a:schemeClr val="accent1"/>
-          </a:fillRef>
-          <a:effectRef idx="1">
-            <a:schemeClr val="accent1"/>
-          </a:effectRef>
-          <a:fontRef idx="minor">
-            <a:schemeClr val="lt1"/>
-          </a:fontRef>
-        </p:style>
-        <p:txBody>
-          <a:bodyPr anchor="ctr"/>
-          <a:lstStyle>
-            <a:extLst/>
-          </a:lstStyle>
-          <a:p>
-            <a:pPr algn="ctr" eaLnBrk="1" latinLnBrk="0" hangingPunct="1"/>
-            <a:endParaRPr kumimoji="0" lang="en-US"/>
-          </a:p>
-        </p:txBody>
-      </p:sp>
-      <p:sp>
-        <p:nvSpPr>
-          <p:cNvPr id="5" name="Titelplatzhalter 4"/>
-          <p:cNvSpPr>
-            <a:spLocks noGrp="1"/>
-          </p:cNvSpPr>
-          <p:nvPr>
-            <p:ph type="title"/>
-          </p:nvPr>
-        </p:nvSpPr>
-        <p:spPr>
-          <a:xfrm>
-            <a:off x="1435608" y="274638"/>
-            <a:ext cx="7498080" cy="1143000"/>
+            <a:off x="457200" y="320040"/>
+            <a:ext cx="7239000" cy="1143000"/>
           </a:xfrm>
           <a:prstGeom prst="rect">
             <a:avLst/>
           </a:prstGeom>
         </p:spPr>
         <p:txBody>
-          <a:bodyPr anchor="ctr">
+          <a:bodyPr vert="horz" lIns="45720" tIns="0" rIns="45720" bIns="0" anchor="b" anchorCtr="0">
             <a:normAutofit/>
           </a:bodyPr>
           <a:lstStyle>
@@ -3575,7 +3060,7 @@
       </p:sp>
       <p:sp>
         <p:nvSpPr>
-          <p:cNvPr id="9" name="Textplatzhalter 8"/>
+          <p:cNvPr id="31" name="Textplatzhalter 30"/>
           <p:cNvSpPr>
             <a:spLocks noGrp="1"/>
           </p:cNvSpPr>
@@ -3585,15 +3070,15 @@
         </p:nvSpPr>
         <p:spPr>
           <a:xfrm>
-            <a:off x="1435608" y="1447800"/>
-            <a:ext cx="7498080" cy="4800600"/>
+            <a:off x="457200" y="1609416"/>
+            <a:ext cx="7239000" cy="4846320"/>
           </a:xfrm>
           <a:prstGeom prst="rect">
             <a:avLst/>
           </a:prstGeom>
         </p:spPr>
         <p:txBody>
-          <a:bodyPr>
+          <a:bodyPr vert="horz">
             <a:normAutofit/>
           </a:bodyPr>
           <a:lstStyle>
@@ -3639,7 +3124,7 @@
       </p:sp>
       <p:sp>
         <p:nvSpPr>
-          <p:cNvPr id="24" name="Datumsplatzhalter 23"/>
+          <p:cNvPr id="27" name="Datumsplatzhalter 26"/>
           <p:cNvSpPr>
             <a:spLocks noGrp="1"/>
           </p:cNvSpPr>
@@ -3649,23 +3134,20 @@
         </p:nvSpPr>
         <p:spPr>
           <a:xfrm>
-            <a:off x="3581400" y="6305550"/>
-            <a:ext cx="2133600" cy="476250"/>
+            <a:off x="4245936" y="6557946"/>
+            <a:ext cx="2002464" cy="226902"/>
           </a:xfrm>
           <a:prstGeom prst="rect">
             <a:avLst/>
           </a:prstGeom>
         </p:spPr>
         <p:txBody>
-          <a:bodyPr anchor="b"/>
-          <a:lstStyle>
-            <a:lvl1pPr algn="r" eaLnBrk="1" latinLnBrk="0" hangingPunct="1">
-              <a:defRPr kumimoji="0" sz="1200">
+          <a:bodyPr vert="horz" tIns="0" bIns="0" anchor="b"/>
+          <a:lstStyle>
+            <a:lvl1pPr algn="l" eaLnBrk="1" latinLnBrk="0" hangingPunct="1">
+              <a:defRPr kumimoji="0" sz="1000">
                 <a:solidFill>
-                  <a:schemeClr val="bg2">
-                    <a:shade val="50000"/>
-                    <a:satMod val="200000"/>
-                  </a:schemeClr>
+                  <a:schemeClr val="tx2"/>
                 </a:solidFill>
               </a:defRPr>
             </a:lvl1pPr>
@@ -3675,7 +3157,7 @@
             <a:fld id="{10CB81F0-6A2E-4F46-9B0B-01E656BD2A4E}" type="datetimeFigureOut">
               <a:rPr lang="de-DE" smtClean="0"/>
               <a:pPr/>
-              <a:t>09.10.2011</a:t>
+              <a:t>04.12.2011</a:t>
             </a:fld>
             <a:endParaRPr lang="de-DE"/>
           </a:p>
@@ -3683,7 +3165,7 @@
       </p:sp>
       <p:sp>
         <p:nvSpPr>
-          <p:cNvPr id="10" name="Fußzeilenplatzhalter 9"/>
+          <p:cNvPr id="4" name="Fußzeilenplatzhalter 3"/>
           <p:cNvSpPr>
             <a:spLocks noGrp="1"/>
           </p:cNvSpPr>
@@ -3693,25 +3175,21 @@
         </p:nvSpPr>
         <p:spPr>
           <a:xfrm>
-            <a:off x="5715000" y="6305550"/>
-            <a:ext cx="2895600" cy="476250"/>
+            <a:off x="457200" y="6557946"/>
+            <a:ext cx="3657600" cy="228600"/>
           </a:xfrm>
           <a:prstGeom prst="rect">
             <a:avLst/>
           </a:prstGeom>
         </p:spPr>
         <p:txBody>
-          <a:bodyPr anchor="b"/>
-          <a:lstStyle>
-            <a:lvl1pPr eaLnBrk="1" latinLnBrk="0" hangingPunct="1">
-              <a:defRPr kumimoji="0" sz="1200">
+          <a:bodyPr vert="horz" tIns="0" bIns="0" anchor="b"/>
+          <a:lstStyle>
+            <a:lvl1pPr algn="r" eaLnBrk="1" latinLnBrk="0" hangingPunct="1">
+              <a:defRPr kumimoji="0" sz="1000">
                 <a:solidFill>
-                  <a:schemeClr val="bg2">
-                    <a:shade val="50000"/>
-                    <a:satMod val="200000"/>
-                  </a:schemeClr>
+                  <a:schemeClr val="tx2"/>
                 </a:solidFill>
-                <a:effectLst/>
               </a:defRPr>
             </a:lvl1pPr>
             <a:extLst/>
@@ -3723,7 +3201,7 @@
       </p:sp>
       <p:sp>
         <p:nvSpPr>
-          <p:cNvPr id="22" name="Foliennummernplatzhalter 21"/>
+          <p:cNvPr id="16" name="Foliennummernplatzhalter 15"/>
           <p:cNvSpPr>
             <a:spLocks noGrp="1"/>
           </p:cNvSpPr>
@@ -3733,25 +3211,21 @@
         </p:nvSpPr>
         <p:spPr>
           <a:xfrm>
-            <a:off x="8613648" y="6305550"/>
-            <a:ext cx="457200" cy="476250"/>
+            <a:off x="6251448" y="6556248"/>
+            <a:ext cx="588336" cy="228600"/>
           </a:xfrm>
           <a:prstGeom prst="rect">
             <a:avLst/>
           </a:prstGeom>
         </p:spPr>
         <p:txBody>
-          <a:bodyPr anchor="b"/>
-          <a:lstStyle>
-            <a:lvl1pPr algn="ctr" eaLnBrk="1" latinLnBrk="0" hangingPunct="1">
-              <a:defRPr kumimoji="0" sz="1200">
+          <a:bodyPr vert="horz" lIns="0" tIns="0" rIns="0" bIns="0" anchor="b"/>
+          <a:lstStyle>
+            <a:lvl1pPr algn="r" eaLnBrk="1" latinLnBrk="0" hangingPunct="1">
+              <a:defRPr kumimoji="0" sz="1100">
                 <a:solidFill>
-                  <a:schemeClr val="bg2">
-                    <a:shade val="50000"/>
-                    <a:satMod val="200000"/>
-                  </a:schemeClr>
+                  <a:schemeClr val="tx2"/>
                 </a:solidFill>
-                <a:effectLst/>
               </a:defRPr>
             </a:lvl1pPr>
             <a:extLst/>
@@ -3766,77 +3240,21 @@
           </a:p>
         </p:txBody>
       </p:sp>
-      <p:sp>
-        <p:nvSpPr>
-          <p:cNvPr id="15" name="Rechteck 14"/>
-          <p:cNvSpPr/>
-          <p:nvPr/>
-        </p:nvSpPr>
-        <p:spPr bwMode="invGray">
-          <a:xfrm>
-            <a:off x="1014984" y="-54"/>
-            <a:ext cx="73152" cy="6858054"/>
-          </a:xfrm>
-          <a:prstGeom prst="rect">
-            <a:avLst/>
-          </a:prstGeom>
-          <a:solidFill>
-            <a:schemeClr val="bg1"/>
-          </a:solidFill>
-          <a:ln w="25400" cap="rnd" cmpd="sng" algn="ctr">
-            <a:noFill/>
-            <a:prstDash val="solid"/>
-          </a:ln>
-          <a:effectLst>
-            <a:outerShdw blurRad="38550" dist="38000" dir="10800000" algn="tl" rotWithShape="0">
-              <a:schemeClr val="bg2">
-                <a:shade val="20000"/>
-                <a:satMod val="110000"/>
-                <a:alpha val="25000"/>
-              </a:schemeClr>
-            </a:outerShdw>
-          </a:effectLst>
-        </p:spPr>
-        <p:style>
-          <a:lnRef idx="3">
-            <a:schemeClr val="lt1"/>
-          </a:lnRef>
-          <a:fillRef idx="1">
-            <a:schemeClr val="accent1"/>
-          </a:fillRef>
-          <a:effectRef idx="1">
-            <a:schemeClr val="accent1"/>
-          </a:effectRef>
-          <a:fontRef idx="minor">
-            <a:schemeClr val="lt1"/>
-          </a:fontRef>
-        </p:style>
-        <p:txBody>
-          <a:bodyPr anchor="ctr"/>
-          <a:lstStyle>
-            <a:extLst/>
-          </a:lstStyle>
-          <a:p>
-            <a:pPr algn="ctr" eaLnBrk="1" latinLnBrk="0" hangingPunct="1"/>
-            <a:endParaRPr kumimoji="0" lang="en-US"/>
-          </a:p>
-        </p:txBody>
-      </p:sp>
     </p:spTree>
   </p:cSld>
   <p:clrMap bg1="lt1" tx1="dk1" bg2="lt2" tx2="dk2" accent1="accent1" accent2="accent2" accent3="accent3" accent4="accent4" accent5="accent5" accent6="accent6" hlink="hlink" folHlink="folHlink"/>
   <p:sldLayoutIdLst>
-    <p:sldLayoutId id="2147483673" r:id="rId1"/>
-    <p:sldLayoutId id="2147483674" r:id="rId2"/>
-    <p:sldLayoutId id="2147483675" r:id="rId3"/>
-    <p:sldLayoutId id="2147483676" r:id="rId4"/>
-    <p:sldLayoutId id="2147483677" r:id="rId5"/>
-    <p:sldLayoutId id="2147483678" r:id="rId6"/>
-    <p:sldLayoutId id="2147483679" r:id="rId7"/>
-    <p:sldLayoutId id="2147483680" r:id="rId8"/>
-    <p:sldLayoutId id="2147483681" r:id="rId9"/>
-    <p:sldLayoutId id="2147483682" r:id="rId10"/>
-    <p:sldLayoutId id="2147483683" r:id="rId11"/>
+    <p:sldLayoutId id="2147483721" r:id="rId1"/>
+    <p:sldLayoutId id="2147483722" r:id="rId2"/>
+    <p:sldLayoutId id="2147483723" r:id="rId3"/>
+    <p:sldLayoutId id="2147483724" r:id="rId4"/>
+    <p:sldLayoutId id="2147483725" r:id="rId5"/>
+    <p:sldLayoutId id="2147483726" r:id="rId6"/>
+    <p:sldLayoutId id="2147483727" r:id="rId7"/>
+    <p:sldLayoutId id="2147483728" r:id="rId8"/>
+    <p:sldLayoutId id="2147483729" r:id="rId9"/>
+    <p:sldLayoutId id="2147483730" r:id="rId10"/>
+    <p:sldLayoutId id="2147483731" r:id="rId11"/>
   </p:sldLayoutIdLst>
   <p:txStyles>
     <p:titleStyle>
@@ -3845,19 +3263,46 @@
           <a:spcPct val="0"/>
         </a:spcBef>
         <a:buNone/>
-        <a:defRPr kumimoji="0" sz="4300" kern="1200">
-          <a:solidFill>
-            <a:schemeClr val="tx2">
-              <a:satMod val="130000"/>
-            </a:schemeClr>
-          </a:solidFill>
-          <a:effectLst>
-            <a:outerShdw blurRad="50000" dist="30000" dir="5400000" algn="tl" rotWithShape="0">
-              <a:srgbClr val="000000">
-                <a:alpha val="30000"/>
-              </a:srgbClr>
-            </a:outerShdw>
-          </a:effectLst>
+        <a:defRPr kumimoji="0" sz="3800" b="1" kern="1200" cap="all" baseline="0">
+          <a:ln w="500">
+            <a:solidFill>
+              <a:schemeClr val="tx2">
+                <a:shade val="20000"/>
+                <a:satMod val="120000"/>
+              </a:schemeClr>
+            </a:solidFill>
+          </a:ln>
+          <a:gradFill>
+            <a:gsLst>
+              <a:gs pos="0">
+                <a:schemeClr val="accent4">
+                  <a:tint val="13000"/>
+                </a:schemeClr>
+              </a:gs>
+              <a:gs pos="10000">
+                <a:schemeClr val="accent4">
+                  <a:tint val="20000"/>
+                </a:schemeClr>
+              </a:gs>
+              <a:gs pos="49000">
+                <a:schemeClr val="accent4">
+                  <a:tint val="70000"/>
+                </a:schemeClr>
+              </a:gs>
+              <a:gs pos="50000">
+                <a:schemeClr val="accent4">
+                  <a:tint val="97000"/>
+                </a:schemeClr>
+              </a:gs>
+              <a:gs pos="100000">
+                <a:schemeClr val="accent4">
+                  <a:tint val="20000"/>
+                </a:schemeClr>
+              </a:gs>
+            </a:gsLst>
+            <a:lin ang="5400000" scaled="1"/>
+          </a:gradFill>
+          <a:effectLst/>
           <a:latin typeface="+mj-lt"/>
           <a:ea typeface="+mj-ea"/>
           <a:cs typeface="+mj-cs"/>
@@ -3866,20 +3311,17 @@
       <a:extLst/>
     </p:titleStyle>
     <p:bodyStyle>
-      <a:lvl1pPr marL="365760" indent="-283464" algn="l" rtl="0" eaLnBrk="1" latinLnBrk="0" hangingPunct="1">
-        <a:lnSpc>
-          <a:spcPct val="100000"/>
-        </a:lnSpc>
+      <a:lvl1pPr marL="274320" indent="-274320" algn="l" rtl="0" eaLnBrk="1" latinLnBrk="0" hangingPunct="1">
         <a:spcBef>
           <a:spcPts val="600"/>
         </a:spcBef>
         <a:buClr>
-          <a:schemeClr val="accent1"/>
+          <a:schemeClr val="tx2"/>
         </a:buClr>
-        <a:buSzPct val="80000"/>
+        <a:buSzPct val="73000"/>
         <a:buFont typeface="Wingdings 2"/>
-        <a:buChar char=""/>
-        <a:defRPr kumimoji="0" sz="3200" kern="1200">
+        <a:buChar char=""/>
+        <a:defRPr kumimoji="0" sz="2600" kern="1200" baseline="0">
           <a:solidFill>
             <a:schemeClr val="tx1"/>
           </a:solidFill>
@@ -3888,40 +3330,38 @@
           <a:cs typeface="+mn-cs"/>
         </a:defRPr>
       </a:lvl1pPr>
-      <a:lvl2pPr marL="640080" indent="-237744" algn="l" rtl="0" eaLnBrk="1" latinLnBrk="0" hangingPunct="1">
-        <a:lnSpc>
-          <a:spcPct val="100000"/>
-        </a:lnSpc>
+      <a:lvl2pPr marL="521208" indent="-228600" algn="l" rtl="0" eaLnBrk="1" latinLnBrk="0" hangingPunct="1">
         <a:spcBef>
-          <a:spcPts val="550"/>
+          <a:spcPts val="500"/>
         </a:spcBef>
         <a:buClr>
-          <a:schemeClr val="accent1"/>
+          <a:schemeClr val="accent4"/>
         </a:buClr>
-        <a:buFont typeface="Verdana"/>
-        <a:buChar char="◦"/>
-        <a:defRPr kumimoji="0" sz="2800" kern="1200">
+        <a:buSzPct val="80000"/>
+        <a:buFont typeface="Wingdings 2"/>
+        <a:buChar char=""/>
+        <a:defRPr kumimoji="0" sz="2300" kern="1200">
           <a:solidFill>
-            <a:schemeClr val="tx1"/>
+            <a:schemeClr val="tx1">
+              <a:tint val="85000"/>
+            </a:schemeClr>
           </a:solidFill>
           <a:latin typeface="+mn-lt"/>
           <a:ea typeface="+mn-ea"/>
           <a:cs typeface="+mn-cs"/>
         </a:defRPr>
       </a:lvl2pPr>
-      <a:lvl3pPr marL="886968" indent="-228600" algn="l" rtl="0" eaLnBrk="1" latinLnBrk="0" hangingPunct="1">
-        <a:lnSpc>
-          <a:spcPct val="100000"/>
-        </a:lnSpc>
+      <a:lvl3pPr marL="758952" indent="-228600" algn="l" rtl="0" eaLnBrk="1" latinLnBrk="0" hangingPunct="1">
         <a:spcBef>
-          <a:spcPct val="20000"/>
+          <a:spcPts val="400"/>
         </a:spcBef>
         <a:buClr>
-          <a:schemeClr val="accent2"/>
+          <a:schemeClr val="accent4"/>
         </a:buClr>
-        <a:buFont typeface="Wingdings 2"/>
-        <a:buChar char=""/>
-        <a:defRPr kumimoji="0" sz="2400" kern="1200">
+        <a:buSzPct val="60000"/>
+        <a:buFont typeface="Wingdings"/>
+        <a:buChar char=""/>
+        <a:defRPr kumimoji="0" sz="2000" kern="1200">
           <a:solidFill>
             <a:schemeClr val="tx1"/>
           </a:solidFill>
@@ -3930,40 +3370,38 @@
           <a:cs typeface="+mn-cs"/>
         </a:defRPr>
       </a:lvl3pPr>
-      <a:lvl4pPr marL="1097280" indent="-173736" algn="l" rtl="0" eaLnBrk="1" latinLnBrk="0" hangingPunct="1">
-        <a:lnSpc>
-          <a:spcPct val="100000"/>
-        </a:lnSpc>
+      <a:lvl4pPr marL="1005840" indent="-228600" algn="l" rtl="0" eaLnBrk="1" latinLnBrk="0" hangingPunct="1">
         <a:spcBef>
           <a:spcPct val="20000"/>
         </a:spcBef>
         <a:buClr>
-          <a:schemeClr val="accent3"/>
+          <a:schemeClr val="accent4"/>
         </a:buClr>
+        <a:buSzPct val="80000"/>
         <a:buFont typeface="Wingdings 2"/>
-        <a:buChar char=""/>
+        <a:buChar char=""/>
         <a:defRPr kumimoji="0" sz="2000" kern="1200">
           <a:solidFill>
-            <a:schemeClr val="tx1"/>
+            <a:schemeClr val="tx1">
+              <a:tint val="85000"/>
+            </a:schemeClr>
           </a:solidFill>
           <a:latin typeface="+mn-lt"/>
           <a:ea typeface="+mn-ea"/>
           <a:cs typeface="+mn-cs"/>
         </a:defRPr>
       </a:lvl4pPr>
-      <a:lvl5pPr marL="1298448" indent="-182880" algn="l" rtl="0" eaLnBrk="1" latinLnBrk="0" hangingPunct="1">
-        <a:lnSpc>
-          <a:spcPct val="100000"/>
-        </a:lnSpc>
+      <a:lvl5pPr marL="1280160" indent="-228600" algn="l" rtl="0" eaLnBrk="1" latinLnBrk="0" hangingPunct="1">
         <a:spcBef>
-          <a:spcPct val="20000"/>
+          <a:spcPts val="400"/>
         </a:spcBef>
         <a:buClr>
           <a:schemeClr val="accent4"/>
         </a:buClr>
-        <a:buFont typeface="Wingdings 2"/>
-        <a:buChar char=""/>
-        <a:defRPr kumimoji="0" sz="2000" kern="1200">
+        <a:buSzPct val="70000"/>
+        <a:buFont typeface="Wingdings"/>
+        <a:buChar char=""/>
+        <a:defRPr kumimoji="0" sz="1800" kern="1200">
           <a:solidFill>
             <a:schemeClr val="tx1"/>
           </a:solidFill>
@@ -3972,40 +3410,38 @@
           <a:cs typeface="+mn-cs"/>
         </a:defRPr>
       </a:lvl5pPr>
-      <a:lvl6pPr marL="1508760" indent="-182880" algn="l" rtl="0" eaLnBrk="1" latinLnBrk="0" hangingPunct="1">
-        <a:lnSpc>
-          <a:spcPct val="100000"/>
-        </a:lnSpc>
+      <a:lvl6pPr marL="1472184" indent="-182880" algn="l" rtl="0" eaLnBrk="1" latinLnBrk="0" hangingPunct="1">
         <a:spcBef>
-          <a:spcPct val="20000"/>
+          <a:spcPts val="400"/>
         </a:spcBef>
         <a:buClr>
-          <a:schemeClr val="accent5"/>
+          <a:schemeClr val="accent4"/>
         </a:buClr>
+        <a:buSzPct val="80000"/>
         <a:buFont typeface="Wingdings 2"/>
-        <a:buChar char=""/>
-        <a:defRPr kumimoji="0" sz="2000" kern="1200">
+        <a:buChar char=""/>
+        <a:defRPr kumimoji="0" sz="1800" kern="1200">
           <a:solidFill>
-            <a:schemeClr val="tx1"/>
+            <a:schemeClr val="tx1">
+              <a:tint val="85000"/>
+            </a:schemeClr>
           </a:solidFill>
           <a:latin typeface="+mn-lt"/>
           <a:ea typeface="+mn-ea"/>
           <a:cs typeface="+mn-cs"/>
         </a:defRPr>
       </a:lvl6pPr>
-      <a:lvl7pPr marL="1719072" indent="-182880" algn="l" rtl="0" eaLnBrk="1" latinLnBrk="0" hangingPunct="1">
-        <a:lnSpc>
-          <a:spcPct val="100000"/>
-        </a:lnSpc>
+      <a:lvl7pPr marL="1673352" indent="-182880" algn="l" rtl="0" eaLnBrk="1" latinLnBrk="0" hangingPunct="1">
         <a:spcBef>
           <a:spcPct val="20000"/>
         </a:spcBef>
         <a:buClr>
-          <a:schemeClr val="accent6"/>
+          <a:schemeClr val="accent4"/>
         </a:buClr>
+        <a:buSzPct val="80000"/>
         <a:buFont typeface="Wingdings 2"/>
-        <a:buChar char=""/>
-        <a:defRPr kumimoji="0" sz="2000" kern="1200">
+        <a:buChar char=""/>
+        <a:defRPr kumimoji="0" sz="1600" kern="1200" baseline="0">
           <a:solidFill>
             <a:schemeClr val="tx1"/>
           </a:solidFill>
@@ -4014,40 +3450,37 @@
           <a:cs typeface="+mn-cs"/>
         </a:defRPr>
       </a:lvl7pPr>
-      <a:lvl8pPr marL="1920240" indent="-182880" algn="l" rtl="0" eaLnBrk="1" latinLnBrk="0" hangingPunct="1">
-        <a:lnSpc>
-          <a:spcPct val="100000"/>
-        </a:lnSpc>
+      <a:lvl8pPr marL="1847088" indent="-182880" algn="l" rtl="0" eaLnBrk="1" latinLnBrk="0" hangingPunct="1">
         <a:spcBef>
-          <a:spcPct val="20000"/>
+          <a:spcPts val="300"/>
         </a:spcBef>
         <a:buClr>
-          <a:schemeClr val="accent6"/>
+          <a:schemeClr val="accent4"/>
         </a:buClr>
-        <a:buFont typeface="Wingdings 2"/>
-        <a:buChar char=""/>
-        <a:defRPr kumimoji="0" sz="2000" kern="1200">
+        <a:buSzPct val="100000"/>
+        <a:buChar char="•"/>
+        <a:defRPr kumimoji="0" sz="1600" kern="1200" baseline="0">
           <a:solidFill>
-            <a:schemeClr val="tx1"/>
+            <a:schemeClr val="tx1">
+              <a:tint val="85000"/>
+            </a:schemeClr>
           </a:solidFill>
           <a:latin typeface="+mn-lt"/>
           <a:ea typeface="+mn-ea"/>
           <a:cs typeface="+mn-cs"/>
         </a:defRPr>
       </a:lvl8pPr>
-      <a:lvl9pPr marL="2130552" indent="-182880" algn="l" rtl="0" eaLnBrk="1" latinLnBrk="0" hangingPunct="1">
-        <a:lnSpc>
-          <a:spcPct val="100000"/>
-        </a:lnSpc>
+      <a:lvl9pPr marL="2057400" indent="-182880" algn="l" rtl="0" eaLnBrk="1" latinLnBrk="0" hangingPunct="1">
         <a:spcBef>
           <a:spcPct val="20000"/>
         </a:spcBef>
         <a:buClr>
-          <a:schemeClr val="accent6"/>
+          <a:schemeClr val="accent4"/>
         </a:buClr>
-        <a:buFont typeface="Wingdings 2"/>
-        <a:buChar char=""/>
-        <a:defRPr kumimoji="0" sz="2000" kern="1200">
+        <a:buSzPct val="100000"/>
+        <a:buFont typeface="Wingdings"/>
+        <a:buChar char="§"/>
+        <a:defRPr kumimoji="0" sz="1400" kern="1200" baseline="0">
           <a:solidFill>
             <a:schemeClr val="tx1"/>
           </a:solidFill>
@@ -4182,16 +3615,37 @@
             <p:ph type="ctrTitle"/>
           </p:nvPr>
         </p:nvSpPr>
-        <p:spPr/>
+        <p:spPr>
+          <a:xfrm>
+            <a:off x="2843808" y="2492896"/>
+            <a:ext cx="5904656" cy="851944"/>
+          </a:xfrm>
+        </p:spPr>
         <p:txBody>
           <a:bodyPr/>
           <a:lstStyle/>
           <a:p>
             <a:r>
-              <a:rPr lang="de-DE" dirty="0" smtClean="0"/>
-              <a:t>MTT Projekt</a:t>
-            </a:r>
-            <a:endParaRPr lang="de-DE" dirty="0"/>
+              <a:rPr lang="de-DE" sz="3600" dirty="0" err="1" smtClean="0"/>
+              <a:t>Defender</a:t>
+            </a:r>
+            <a:r>
+              <a:rPr lang="de-DE" sz="3600" dirty="0" smtClean="0"/>
+              <a:t> </a:t>
+            </a:r>
+            <a:r>
+              <a:rPr lang="de-DE" sz="3600" dirty="0" err="1" smtClean="0"/>
+              <a:t>Touch</a:t>
+            </a:r>
+            <a:r>
+              <a:rPr lang="de-DE" sz="3600" dirty="0" smtClean="0"/>
+              <a:t> </a:t>
+            </a:r>
+            <a:r>
+              <a:rPr lang="de-DE" sz="3600" dirty="0" err="1" smtClean="0"/>
+              <a:t>Deluxe</a:t>
+            </a:r>
+            <a:endParaRPr lang="de-DE" sz="3600" dirty="0"/>
           </a:p>
         </p:txBody>
       </p:sp>
@@ -4205,23 +3659,33 @@
             <p:ph type="subTitle" idx="1"/>
           </p:nvPr>
         </p:nvSpPr>
-        <p:spPr/>
-        <p:txBody>
-          <a:bodyPr/>
+        <p:spPr>
+          <a:xfrm>
+            <a:off x="3059832" y="3429000"/>
+            <a:ext cx="3177140" cy="1101248"/>
+          </a:xfrm>
+        </p:spPr>
+        <p:txBody>
+          <a:bodyPr>
+            <a:normAutofit fontScale="77500" lnSpcReduction="20000"/>
+          </a:bodyPr>
           <a:lstStyle/>
           <a:p>
+            <a:pPr algn="l"/>
             <a:r>
               <a:rPr lang="de-DE" dirty="0" smtClean="0"/>
               <a:t>Curtis Mosters</a:t>
             </a:r>
           </a:p>
           <a:p>
+            <a:pPr algn="l"/>
             <a:r>
               <a:rPr lang="de-DE" dirty="0" smtClean="0"/>
               <a:t>Sebastian Minke</a:t>
             </a:r>
           </a:p>
           <a:p>
+            <a:pPr algn="l"/>
             <a:r>
               <a:rPr lang="de-DE" dirty="0" smtClean="0"/>
               <a:t>Andy </a:t>
@@ -4229,6 +3693,281 @@
             <a:r>
               <a:rPr lang="de-DE" dirty="0" err="1" smtClean="0"/>
               <a:t>Klay</a:t>
+            </a:r>
+            <a:endParaRPr lang="de-DE" dirty="0" smtClean="0"/>
+          </a:p>
+          <a:p>
+            <a:pPr algn="l"/>
+            <a:r>
+              <a:rPr lang="de-DE" dirty="0" smtClean="0"/>
+              <a:t>Frank Mertens</a:t>
+            </a:r>
+            <a:endParaRPr lang="de-DE" dirty="0"/>
+          </a:p>
+        </p:txBody>
+      </p:sp>
+      <p:pic>
+        <p:nvPicPr>
+          <p:cNvPr id="3074" name="Picture 2" descr="C:\Users\kwoxer\Desktop\DefenderTouchDeluxe.png"/>
+          <p:cNvPicPr>
+            <a:picLocks noChangeAspect="1" noChangeArrowheads="1"/>
+          </p:cNvPicPr>
+          <p:nvPr/>
+        </p:nvPicPr>
+        <p:blipFill>
+          <a:blip r:embed="rId2" cstate="print"/>
+          <a:srcRect/>
+          <a:stretch>
+            <a:fillRect/>
+          </a:stretch>
+        </p:blipFill>
+        <p:spPr bwMode="auto">
+          <a:xfrm>
+            <a:off x="395536" y="2780928"/>
+            <a:ext cx="1939137" cy="1811382"/>
+          </a:xfrm>
+          <a:prstGeom prst="rect">
+            <a:avLst/>
+          </a:prstGeom>
+          <a:noFill/>
+        </p:spPr>
+      </p:pic>
+    </p:spTree>
+  </p:cSld>
+  <p:clrMapOvr>
+    <a:masterClrMapping/>
+  </p:clrMapOvr>
+</p:sld>
+</file>
+
+<file path=ppt/slides/slide10.xml><?xml version="1.0" encoding="utf-8"?>
+<p:sld xmlns:a="http://schemas.openxmlformats.org/drawingml/2006/main" xmlns:r="http://schemas.openxmlformats.org/officeDocument/2006/relationships" xmlns:p="http://schemas.openxmlformats.org/presentationml/2006/main">
+  <p:cSld>
+    <p:spTree>
+      <p:nvGrpSpPr>
+        <p:cNvPr id="1" name=""/>
+        <p:cNvGrpSpPr/>
+        <p:nvPr/>
+      </p:nvGrpSpPr>
+      <p:grpSpPr>
+        <a:xfrm>
+          <a:off x="0" y="0"/>
+          <a:ext cx="0" cy="0"/>
+          <a:chOff x="0" y="0"/>
+          <a:chExt cx="0" cy="0"/>
+        </a:xfrm>
+      </p:grpSpPr>
+      <p:sp>
+        <p:nvSpPr>
+          <p:cNvPr id="2" name="Titel 1"/>
+          <p:cNvSpPr>
+            <a:spLocks noGrp="1"/>
+          </p:cNvSpPr>
+          <p:nvPr>
+            <p:ph type="title"/>
+          </p:nvPr>
+        </p:nvSpPr>
+        <p:spPr/>
+        <p:txBody>
+          <a:bodyPr/>
+          <a:lstStyle/>
+          <a:p>
+            <a:r>
+              <a:rPr lang="de-DE" dirty="0" smtClean="0"/>
+              <a:t>Spielziel (Vorstellung)</a:t>
+            </a:r>
+            <a:endParaRPr lang="de-DE" dirty="0"/>
+          </a:p>
+        </p:txBody>
+      </p:sp>
+      <p:sp>
+        <p:nvSpPr>
+          <p:cNvPr id="3" name="Inhaltsplatzhalter 2"/>
+          <p:cNvSpPr>
+            <a:spLocks noGrp="1"/>
+          </p:cNvSpPr>
+          <p:nvPr>
+            <p:ph idx="1"/>
+          </p:nvPr>
+        </p:nvSpPr>
+        <p:spPr/>
+        <p:txBody>
+          <a:bodyPr/>
+          <a:lstStyle/>
+          <a:p>
+            <a:r>
+              <a:rPr lang="de-DE" dirty="0" smtClean="0"/>
+              <a:t>Gegner durch geschicktes Agieren vernichten</a:t>
+            </a:r>
+          </a:p>
+          <a:p>
+            <a:pPr lvl="1"/>
+            <a:r>
+              <a:rPr lang="de-DE" dirty="0" smtClean="0"/>
+              <a:t>Gegnerischen Nexus zerstören</a:t>
+            </a:r>
+            <a:endParaRPr lang="de-DE" dirty="0"/>
+          </a:p>
+        </p:txBody>
+      </p:sp>
+    </p:spTree>
+  </p:cSld>
+  <p:clrMapOvr>
+    <a:masterClrMapping/>
+  </p:clrMapOvr>
+</p:sld>
+</file>
+
+<file path=ppt/slides/slide11.xml><?xml version="1.0" encoding="utf-8"?>
+<p:sld xmlns:a="http://schemas.openxmlformats.org/drawingml/2006/main" xmlns:r="http://schemas.openxmlformats.org/officeDocument/2006/relationships" xmlns:p="http://schemas.openxmlformats.org/presentationml/2006/main">
+  <p:cSld>
+    <p:spTree>
+      <p:nvGrpSpPr>
+        <p:cNvPr id="1" name=""/>
+        <p:cNvGrpSpPr/>
+        <p:nvPr/>
+      </p:nvGrpSpPr>
+      <p:grpSpPr>
+        <a:xfrm>
+          <a:off x="0" y="0"/>
+          <a:ext cx="0" cy="0"/>
+          <a:chOff x="0" y="0"/>
+          <a:chExt cx="0" cy="0"/>
+        </a:xfrm>
+      </p:grpSpPr>
+      <p:sp>
+        <p:nvSpPr>
+          <p:cNvPr id="2" name="Titel 1"/>
+          <p:cNvSpPr>
+            <a:spLocks noGrp="1"/>
+          </p:cNvSpPr>
+          <p:nvPr>
+            <p:ph type="title"/>
+          </p:nvPr>
+        </p:nvSpPr>
+        <p:spPr/>
+        <p:txBody>
+          <a:bodyPr/>
+          <a:lstStyle/>
+          <a:p>
+            <a:r>
+              <a:rPr lang="de-DE" dirty="0" smtClean="0"/>
+              <a:t>Spielziel (Umsetzung)</a:t>
+            </a:r>
+            <a:endParaRPr lang="de-DE" dirty="0"/>
+          </a:p>
+        </p:txBody>
+      </p:sp>
+      <p:sp>
+        <p:nvSpPr>
+          <p:cNvPr id="3" name="Inhaltsplatzhalter 2"/>
+          <p:cNvSpPr>
+            <a:spLocks noGrp="1"/>
+          </p:cNvSpPr>
+          <p:nvPr>
+            <p:ph idx="1"/>
+          </p:nvPr>
+        </p:nvSpPr>
+        <p:spPr/>
+        <p:txBody>
+          <a:bodyPr/>
+          <a:lstStyle/>
+          <a:p>
+            <a:r>
+              <a:rPr lang="de-DE" dirty="0" smtClean="0"/>
+              <a:t>Kein Spielende :D</a:t>
+            </a:r>
+          </a:p>
+          <a:p>
+            <a:r>
+              <a:rPr lang="de-DE" dirty="0" smtClean="0"/>
+              <a:t>Endlosspiel</a:t>
+            </a:r>
+          </a:p>
+        </p:txBody>
+      </p:sp>
+    </p:spTree>
+  </p:cSld>
+  <p:clrMapOvr>
+    <a:masterClrMapping/>
+  </p:clrMapOvr>
+</p:sld>
+</file>
+
+<file path=ppt/slides/slide12.xml><?xml version="1.0" encoding="utf-8"?>
+<p:sld xmlns:a="http://schemas.openxmlformats.org/drawingml/2006/main" xmlns:r="http://schemas.openxmlformats.org/officeDocument/2006/relationships" xmlns:p="http://schemas.openxmlformats.org/presentationml/2006/main">
+  <p:cSld>
+    <p:spTree>
+      <p:nvGrpSpPr>
+        <p:cNvPr id="1" name=""/>
+        <p:cNvGrpSpPr/>
+        <p:nvPr/>
+      </p:nvGrpSpPr>
+      <p:grpSpPr>
+        <a:xfrm>
+          <a:off x="0" y="0"/>
+          <a:ext cx="0" cy="0"/>
+          <a:chOff x="0" y="0"/>
+          <a:chExt cx="0" cy="0"/>
+        </a:xfrm>
+      </p:grpSpPr>
+      <p:sp>
+        <p:nvSpPr>
+          <p:cNvPr id="2" name="Titel 1"/>
+          <p:cNvSpPr>
+            <a:spLocks noGrp="1"/>
+          </p:cNvSpPr>
+          <p:nvPr>
+            <p:ph type="title"/>
+          </p:nvPr>
+        </p:nvSpPr>
+        <p:spPr/>
+        <p:txBody>
+          <a:bodyPr/>
+          <a:lstStyle/>
+          <a:p>
+            <a:r>
+              <a:rPr lang="de-DE" dirty="0" smtClean="0"/>
+              <a:t>Weitere Umsetzungen</a:t>
+            </a:r>
+            <a:endParaRPr lang="de-DE" dirty="0"/>
+          </a:p>
+        </p:txBody>
+      </p:sp>
+      <p:sp>
+        <p:nvSpPr>
+          <p:cNvPr id="3" name="Inhaltsplatzhalter 2"/>
+          <p:cNvSpPr>
+            <a:spLocks noGrp="1"/>
+          </p:cNvSpPr>
+          <p:nvPr>
+            <p:ph idx="1"/>
+          </p:nvPr>
+        </p:nvSpPr>
+        <p:spPr/>
+        <p:txBody>
+          <a:bodyPr/>
+          <a:lstStyle/>
+          <a:p>
+            <a:r>
+              <a:rPr lang="de-DE" dirty="0" smtClean="0"/>
+              <a:t>Mehr Einheiten</a:t>
+            </a:r>
+          </a:p>
+          <a:p>
+            <a:r>
+              <a:rPr lang="de-DE" dirty="0" smtClean="0"/>
+              <a:t>Intelligente Wegfindung</a:t>
+            </a:r>
+          </a:p>
+          <a:p>
+            <a:r>
+              <a:rPr lang="de-DE" dirty="0" smtClean="0"/>
+              <a:t>Atomrakete </a:t>
+            </a:r>
+            <a:r>
+              <a:rPr lang="de-DE" dirty="0" smtClean="0"/>
+              <a:t>zur schnelleren Vernichtung des Feindes</a:t>
             </a:r>
             <a:endParaRPr lang="de-DE" dirty="0"/>
           </a:p>
@@ -4276,43 +4015,64 @@
           <a:p>
             <a:r>
               <a:rPr lang="de-DE" dirty="0" smtClean="0"/>
+              <a:t>Gliederung</a:t>
+            </a:r>
+            <a:endParaRPr lang="de-DE" dirty="0"/>
+          </a:p>
+        </p:txBody>
+      </p:sp>
+      <p:sp>
+        <p:nvSpPr>
+          <p:cNvPr id="3" name="Inhaltsplatzhalter 2"/>
+          <p:cNvSpPr>
+            <a:spLocks noGrp="1"/>
+          </p:cNvSpPr>
+          <p:nvPr>
+            <p:ph idx="1"/>
+          </p:nvPr>
+        </p:nvSpPr>
+        <p:spPr/>
+        <p:txBody>
+          <a:bodyPr/>
+          <a:lstStyle/>
+          <a:p>
+            <a:r>
+              <a:rPr lang="de-DE" dirty="0" smtClean="0"/>
               <a:t>Spielprinzip</a:t>
             </a:r>
-            <a:endParaRPr lang="de-DE" dirty="0"/>
-          </a:p>
-        </p:txBody>
-      </p:sp>
-      <p:sp>
-        <p:nvSpPr>
-          <p:cNvPr id="3" name="Inhaltsplatzhalter 2"/>
-          <p:cNvSpPr>
-            <a:spLocks noGrp="1"/>
-          </p:cNvSpPr>
-          <p:nvPr>
-            <p:ph idx="1"/>
-          </p:nvPr>
-        </p:nvSpPr>
-        <p:spPr/>
-        <p:txBody>
-          <a:bodyPr/>
-          <a:lstStyle/>
+          </a:p>
           <a:p>
             <a:r>
               <a:rPr lang="de-DE" dirty="0" smtClean="0"/>
-              <a:t>2 Spieler</a:t>
+              <a:t>Karte</a:t>
             </a:r>
           </a:p>
           <a:p>
             <a:r>
               <a:rPr lang="de-DE" dirty="0" smtClean="0"/>
-              <a:t>Unterschiedliche Gebäudetypen</a:t>
+              <a:t>Symbole</a:t>
             </a:r>
           </a:p>
           <a:p>
             <a:r>
               <a:rPr lang="de-DE" dirty="0" smtClean="0"/>
-              <a:t>Einheiten</a:t>
-            </a:r>
+              <a:t>Logik</a:t>
+            </a:r>
+          </a:p>
+          <a:p>
+            <a:r>
+              <a:rPr lang="de-DE" dirty="0" err="1" smtClean="0"/>
+              <a:t>Spielzeil</a:t>
+            </a:r>
+            <a:endParaRPr lang="de-DE" dirty="0" smtClean="0"/>
+          </a:p>
+          <a:p>
+            <a:r>
+              <a:rPr lang="de-DE" dirty="0" smtClean="0"/>
+              <a:t>Weitere Umsetzungen</a:t>
+            </a:r>
+          </a:p>
+          <a:p>
             <a:endParaRPr lang="de-DE" dirty="0"/>
           </a:p>
         </p:txBody>
@@ -4358,8 +4118,8 @@
           <a:lstStyle/>
           <a:p>
             <a:r>
-              <a:rPr lang="de-DE" dirty="0" err="1" smtClean="0"/>
-              <a:t>Map</a:t>
+              <a:rPr lang="de-DE" dirty="0" smtClean="0"/>
+              <a:t>Spielprinzip</a:t>
             </a:r>
             <a:endParaRPr lang="de-DE" dirty="0"/>
           </a:p>
@@ -4382,42 +4142,24 @@
           <a:p>
             <a:r>
               <a:rPr lang="de-DE" dirty="0" smtClean="0"/>
-              <a:t>1 on 1 </a:t>
-            </a:r>
-            <a:r>
-              <a:rPr lang="de-DE" dirty="0" err="1" smtClean="0"/>
-              <a:t>Map</a:t>
+              <a:t>2 Spieler</a:t>
+            </a:r>
+          </a:p>
+          <a:p>
+            <a:r>
+              <a:rPr lang="de-DE" dirty="0" smtClean="0"/>
+              <a:t>Unterschiedliche Gebäudetypen</a:t>
+            </a:r>
+          </a:p>
+          <a:p>
+            <a:r>
+              <a:rPr lang="de-DE" dirty="0" smtClean="0"/>
+              <a:t>Einheiten</a:t>
             </a:r>
             <a:endParaRPr lang="de-DE" dirty="0"/>
           </a:p>
         </p:txBody>
       </p:sp>
-      <p:pic>
-        <p:nvPicPr>
-          <p:cNvPr id="1027" name="Picture 3" descr="C:\Users\kwoxer\Desktop\MTT\Map\Map.png"/>
-          <p:cNvPicPr>
-            <a:picLocks noChangeAspect="1" noChangeArrowheads="1"/>
-          </p:cNvPicPr>
-          <p:nvPr/>
-        </p:nvPicPr>
-        <p:blipFill>
-          <a:blip r:embed="rId2" cstate="print"/>
-          <a:srcRect/>
-          <a:stretch>
-            <a:fillRect/>
-          </a:stretch>
-        </p:blipFill>
-        <p:spPr bwMode="auto">
-          <a:xfrm>
-            <a:off x="1043608" y="2708920"/>
-            <a:ext cx="7620000" cy="2857500"/>
-          </a:xfrm>
-          <a:prstGeom prst="rect">
-            <a:avLst/>
-          </a:prstGeom>
-          <a:noFill/>
-        </p:spPr>
-      </p:pic>
     </p:spTree>
   </p:cSld>
   <p:clrMapOvr>
@@ -4460,7 +4202,7 @@
           <a:p>
             <a:r>
               <a:rPr lang="de-DE" dirty="0" smtClean="0"/>
-              <a:t>Symbole</a:t>
+              <a:t>Karte (Vorstellung)</a:t>
             </a:r>
             <a:endParaRPr lang="de-DE" dirty="0"/>
           </a:p>
@@ -4478,8 +4220,214 @@
         </p:nvSpPr>
         <p:spPr/>
         <p:txBody>
+          <a:bodyPr/>
+          <a:lstStyle/>
+          <a:p>
+            <a:r>
+              <a:rPr lang="de-DE" dirty="0" smtClean="0"/>
+              <a:t>1 on 1 </a:t>
+            </a:r>
+            <a:r>
+              <a:rPr lang="de-DE" dirty="0" err="1" smtClean="0"/>
+              <a:t>Map</a:t>
+            </a:r>
+            <a:endParaRPr lang="de-DE" dirty="0"/>
+          </a:p>
+        </p:txBody>
+      </p:sp>
+      <p:pic>
+        <p:nvPicPr>
+          <p:cNvPr id="1027" name="Picture 3" descr="C:\Users\kwoxer\Desktop\MTT\Map\Map.png"/>
+          <p:cNvPicPr>
+            <a:picLocks noChangeAspect="1" noChangeArrowheads="1"/>
+          </p:cNvPicPr>
+          <p:nvPr/>
+        </p:nvPicPr>
+        <p:blipFill>
+          <a:blip r:embed="rId2" cstate="print"/>
+          <a:srcRect/>
+          <a:stretch>
+            <a:fillRect/>
+          </a:stretch>
+        </p:blipFill>
+        <p:spPr bwMode="auto">
+          <a:xfrm>
+            <a:off x="827584" y="2780928"/>
+            <a:ext cx="6611888" cy="2479458"/>
+          </a:xfrm>
+          <a:prstGeom prst="rect">
+            <a:avLst/>
+          </a:prstGeom>
+          <a:noFill/>
+        </p:spPr>
+      </p:pic>
+    </p:spTree>
+  </p:cSld>
+  <p:clrMapOvr>
+    <a:masterClrMapping/>
+  </p:clrMapOvr>
+</p:sld>
+</file>
+
+<file path=ppt/slides/slide5.xml><?xml version="1.0" encoding="utf-8"?>
+<p:sld xmlns:a="http://schemas.openxmlformats.org/drawingml/2006/main" xmlns:r="http://schemas.openxmlformats.org/officeDocument/2006/relationships" xmlns:p="http://schemas.openxmlformats.org/presentationml/2006/main">
+  <p:cSld>
+    <p:spTree>
+      <p:nvGrpSpPr>
+        <p:cNvPr id="1" name=""/>
+        <p:cNvGrpSpPr/>
+        <p:nvPr/>
+      </p:nvGrpSpPr>
+      <p:grpSpPr>
+        <a:xfrm>
+          <a:off x="0" y="0"/>
+          <a:ext cx="0" cy="0"/>
+          <a:chOff x="0" y="0"/>
+          <a:chExt cx="0" cy="0"/>
+        </a:xfrm>
+      </p:grpSpPr>
+      <p:sp>
+        <p:nvSpPr>
+          <p:cNvPr id="2" name="Titel 1"/>
+          <p:cNvSpPr>
+            <a:spLocks noGrp="1"/>
+          </p:cNvSpPr>
+          <p:nvPr>
+            <p:ph type="title"/>
+          </p:nvPr>
+        </p:nvSpPr>
+        <p:spPr/>
+        <p:txBody>
+          <a:bodyPr/>
+          <a:lstStyle/>
+          <a:p>
+            <a:r>
+              <a:rPr lang="de-DE" dirty="0" smtClean="0"/>
+              <a:t>Karte (Umsetzung)</a:t>
+            </a:r>
+            <a:endParaRPr lang="de-DE" dirty="0"/>
+          </a:p>
+        </p:txBody>
+      </p:sp>
+      <p:sp>
+        <p:nvSpPr>
+          <p:cNvPr id="3" name="Inhaltsplatzhalter 2"/>
+          <p:cNvSpPr>
+            <a:spLocks noGrp="1"/>
+          </p:cNvSpPr>
+          <p:nvPr>
+            <p:ph idx="1"/>
+          </p:nvPr>
+        </p:nvSpPr>
+        <p:spPr/>
+        <p:txBody>
+          <a:bodyPr/>
+          <a:lstStyle/>
+          <a:p>
+            <a:r>
+              <a:rPr lang="de-DE" dirty="0" smtClean="0"/>
+              <a:t>1 on 1 </a:t>
+            </a:r>
+            <a:r>
+              <a:rPr lang="de-DE" dirty="0" err="1" smtClean="0"/>
+              <a:t>Map</a:t>
+            </a:r>
+            <a:endParaRPr lang="de-DE" dirty="0"/>
+          </a:p>
+        </p:txBody>
+      </p:sp>
+      <p:pic>
+        <p:nvPicPr>
+          <p:cNvPr id="1026" name="Picture 2" descr="C:\Users\kwoxer\Desktop\Zwischenablage02.png"/>
+          <p:cNvPicPr>
+            <a:picLocks noChangeAspect="1" noChangeArrowheads="1"/>
+          </p:cNvPicPr>
+          <p:nvPr/>
+        </p:nvPicPr>
+        <p:blipFill>
+          <a:blip r:embed="rId2" cstate="print"/>
+          <a:srcRect/>
+          <a:stretch>
+            <a:fillRect/>
+          </a:stretch>
+        </p:blipFill>
+        <p:spPr bwMode="auto">
+          <a:xfrm>
+            <a:off x="899592" y="2060848"/>
+            <a:ext cx="5688632" cy="4443553"/>
+          </a:xfrm>
+          <a:prstGeom prst="rect">
+            <a:avLst/>
+          </a:prstGeom>
+          <a:noFill/>
+        </p:spPr>
+      </p:pic>
+    </p:spTree>
+  </p:cSld>
+  <p:clrMapOvr>
+    <a:masterClrMapping/>
+  </p:clrMapOvr>
+</p:sld>
+</file>
+
+<file path=ppt/slides/slide6.xml><?xml version="1.0" encoding="utf-8"?>
+<p:sld xmlns:a="http://schemas.openxmlformats.org/drawingml/2006/main" xmlns:r="http://schemas.openxmlformats.org/officeDocument/2006/relationships" xmlns:p="http://schemas.openxmlformats.org/presentationml/2006/main">
+  <p:cSld>
+    <p:spTree>
+      <p:nvGrpSpPr>
+        <p:cNvPr id="1" name=""/>
+        <p:cNvGrpSpPr/>
+        <p:nvPr/>
+      </p:nvGrpSpPr>
+      <p:grpSpPr>
+        <a:xfrm>
+          <a:off x="0" y="0"/>
+          <a:ext cx="0" cy="0"/>
+          <a:chOff x="0" y="0"/>
+          <a:chExt cx="0" cy="0"/>
+        </a:xfrm>
+      </p:grpSpPr>
+      <p:sp>
+        <p:nvSpPr>
+          <p:cNvPr id="2" name="Titel 1"/>
+          <p:cNvSpPr>
+            <a:spLocks noGrp="1"/>
+          </p:cNvSpPr>
+          <p:nvPr>
+            <p:ph type="title"/>
+          </p:nvPr>
+        </p:nvSpPr>
+        <p:spPr/>
+        <p:txBody>
+          <a:bodyPr/>
+          <a:lstStyle/>
+          <a:p>
+            <a:r>
+              <a:rPr lang="de-DE" dirty="0" smtClean="0"/>
+              <a:t>Symbole (Vorstellung</a:t>
+            </a:r>
+            <a:r>
+              <a:rPr lang="de-DE" dirty="0" smtClean="0"/>
+              <a:t>)</a:t>
+            </a:r>
+            <a:endParaRPr lang="de-DE" dirty="0"/>
+          </a:p>
+        </p:txBody>
+      </p:sp>
+      <p:sp>
+        <p:nvSpPr>
+          <p:cNvPr id="3" name="Inhaltsplatzhalter 2"/>
+          <p:cNvSpPr>
+            <a:spLocks noGrp="1"/>
+          </p:cNvSpPr>
+          <p:nvPr>
+            <p:ph idx="1"/>
+          </p:nvPr>
+        </p:nvSpPr>
+        <p:spPr/>
+        <p:txBody>
           <a:bodyPr>
-            <a:normAutofit fontScale="92500" lnSpcReduction="10000"/>
+            <a:normAutofit/>
           </a:bodyPr>
           <a:lstStyle/>
           <a:p>
@@ -4668,192 +4616,6 @@
 </p:sld>
 </file>
 
-<file path=ppt/slides/slide5.xml><?xml version="1.0" encoding="utf-8"?>
-<p:sld xmlns:a="http://schemas.openxmlformats.org/drawingml/2006/main" xmlns:r="http://schemas.openxmlformats.org/officeDocument/2006/relationships" xmlns:p="http://schemas.openxmlformats.org/presentationml/2006/main">
-  <p:cSld>
-    <p:spTree>
-      <p:nvGrpSpPr>
-        <p:cNvPr id="1" name=""/>
-        <p:cNvGrpSpPr/>
-        <p:nvPr/>
-      </p:nvGrpSpPr>
-      <p:grpSpPr>
-        <a:xfrm>
-          <a:off x="0" y="0"/>
-          <a:ext cx="0" cy="0"/>
-          <a:chOff x="0" y="0"/>
-          <a:chExt cx="0" cy="0"/>
-        </a:xfrm>
-      </p:grpSpPr>
-      <p:sp>
-        <p:nvSpPr>
-          <p:cNvPr id="2" name="Titel 1"/>
-          <p:cNvSpPr>
-            <a:spLocks noGrp="1"/>
-          </p:cNvSpPr>
-          <p:nvPr>
-            <p:ph type="title"/>
-          </p:nvPr>
-        </p:nvSpPr>
-        <p:spPr/>
-        <p:txBody>
-          <a:bodyPr/>
-          <a:lstStyle/>
-          <a:p>
-            <a:r>
-              <a:rPr lang="de-DE" dirty="0" smtClean="0"/>
-              <a:t>Spielprinzip</a:t>
-            </a:r>
-            <a:endParaRPr lang="de-DE" dirty="0"/>
-          </a:p>
-        </p:txBody>
-      </p:sp>
-      <p:sp>
-        <p:nvSpPr>
-          <p:cNvPr id="3" name="Inhaltsplatzhalter 2"/>
-          <p:cNvSpPr>
-            <a:spLocks noGrp="1"/>
-          </p:cNvSpPr>
-          <p:nvPr>
-            <p:ph idx="1"/>
-          </p:nvPr>
-        </p:nvSpPr>
-        <p:spPr/>
-        <p:txBody>
-          <a:bodyPr/>
-          <a:lstStyle/>
-          <a:p>
-            <a:r>
-              <a:rPr lang="de-DE" dirty="0" smtClean="0"/>
-              <a:t>Einheiten:</a:t>
-            </a:r>
-          </a:p>
-          <a:p>
-            <a:pPr lvl="1"/>
-            <a:r>
-              <a:rPr lang="de-DE" dirty="0" smtClean="0"/>
-              <a:t>Luft</a:t>
-            </a:r>
-          </a:p>
-          <a:p>
-            <a:pPr lvl="1"/>
-            <a:r>
-              <a:rPr lang="de-DE" dirty="0" smtClean="0"/>
-              <a:t>Wasser</a:t>
-            </a:r>
-          </a:p>
-          <a:p>
-            <a:pPr lvl="1"/>
-            <a:r>
-              <a:rPr lang="de-DE" dirty="0" smtClean="0"/>
-              <a:t>Land</a:t>
-            </a:r>
-            <a:endParaRPr lang="de-DE" dirty="0" smtClean="0"/>
-          </a:p>
-          <a:p>
-            <a:r>
-              <a:rPr lang="de-DE" dirty="0" smtClean="0"/>
-              <a:t>Support, produziert Geld, mehr Rüstung etc.</a:t>
-            </a:r>
-          </a:p>
-          <a:p>
-            <a:r>
-              <a:rPr lang="de-DE" dirty="0" err="1" smtClean="0"/>
-              <a:t>Verteidung</a:t>
-            </a:r>
-            <a:r>
-              <a:rPr lang="de-DE" dirty="0" smtClean="0"/>
-              <a:t>, gegen Luft, Wasser, Land</a:t>
-            </a:r>
-          </a:p>
-        </p:txBody>
-      </p:sp>
-    </p:spTree>
-  </p:cSld>
-  <p:clrMapOvr>
-    <a:masterClrMapping/>
-  </p:clrMapOvr>
-</p:sld>
-</file>
-
-<file path=ppt/slides/slide6.xml><?xml version="1.0" encoding="utf-8"?>
-<p:sld xmlns:a="http://schemas.openxmlformats.org/drawingml/2006/main" xmlns:r="http://schemas.openxmlformats.org/officeDocument/2006/relationships" xmlns:p="http://schemas.openxmlformats.org/presentationml/2006/main">
-  <p:cSld>
-    <p:spTree>
-      <p:nvGrpSpPr>
-        <p:cNvPr id="1" name=""/>
-        <p:cNvGrpSpPr/>
-        <p:nvPr/>
-      </p:nvGrpSpPr>
-      <p:grpSpPr>
-        <a:xfrm>
-          <a:off x="0" y="0"/>
-          <a:ext cx="0" cy="0"/>
-          <a:chOff x="0" y="0"/>
-          <a:chExt cx="0" cy="0"/>
-        </a:xfrm>
-      </p:grpSpPr>
-      <p:sp>
-        <p:nvSpPr>
-          <p:cNvPr id="2" name="Titel 1"/>
-          <p:cNvSpPr>
-            <a:spLocks noGrp="1"/>
-          </p:cNvSpPr>
-          <p:nvPr>
-            <p:ph type="title"/>
-          </p:nvPr>
-        </p:nvSpPr>
-        <p:spPr/>
-        <p:txBody>
-          <a:bodyPr/>
-          <a:lstStyle/>
-          <a:p>
-            <a:r>
-              <a:rPr lang="de-DE" dirty="0" smtClean="0"/>
-              <a:t>Spielziel</a:t>
-            </a:r>
-            <a:endParaRPr lang="de-DE" dirty="0"/>
-          </a:p>
-        </p:txBody>
-      </p:sp>
-      <p:sp>
-        <p:nvSpPr>
-          <p:cNvPr id="3" name="Inhaltsplatzhalter 2"/>
-          <p:cNvSpPr>
-            <a:spLocks noGrp="1"/>
-          </p:cNvSpPr>
-          <p:nvPr>
-            <p:ph idx="1"/>
-          </p:nvPr>
-        </p:nvSpPr>
-        <p:spPr/>
-        <p:txBody>
-          <a:bodyPr/>
-          <a:lstStyle/>
-          <a:p>
-            <a:r>
-              <a:rPr lang="de-DE" dirty="0" smtClean="0"/>
-              <a:t>Gegner durch geschicktes Agieren vernichten</a:t>
-            </a:r>
-          </a:p>
-          <a:p>
-            <a:pPr lvl="1"/>
-            <a:r>
-              <a:rPr lang="de-DE" dirty="0" smtClean="0"/>
-              <a:t>Gegnerischen Nexus zerstören</a:t>
-            </a:r>
-            <a:endParaRPr lang="de-DE" dirty="0"/>
-          </a:p>
-        </p:txBody>
-      </p:sp>
-    </p:spTree>
-  </p:cSld>
-  <p:clrMapOvr>
-    <a:masterClrMapping/>
-  </p:clrMapOvr>
-</p:sld>
-</file>
-
 <file path=ppt/slides/slide7.xml><?xml version="1.0" encoding="utf-8"?>
 <p:sld xmlns:a="http://schemas.openxmlformats.org/drawingml/2006/main" xmlns:r="http://schemas.openxmlformats.org/officeDocument/2006/relationships" xmlns:p="http://schemas.openxmlformats.org/presentationml/2006/main">
   <p:cSld>
@@ -4888,7 +4650,7 @@
           <a:p>
             <a:r>
               <a:rPr lang="de-DE" dirty="0" smtClean="0"/>
-              <a:t>Weitere Umsetzungen</a:t>
+              <a:t>Symbole (Umsetzung)</a:t>
             </a:r>
             <a:endParaRPr lang="de-DE" dirty="0"/>
           </a:p>
@@ -4906,37 +4668,393 @@
         </p:nvSpPr>
         <p:spPr/>
         <p:txBody>
-          <a:bodyPr/>
+          <a:bodyPr>
+            <a:normAutofit/>
+          </a:bodyPr>
           <a:lstStyle/>
           <a:p>
+            <a:endParaRPr lang="de-DE" dirty="0" smtClean="0"/>
+          </a:p>
+          <a:p>
+            <a:r>
+              <a:rPr lang="de-DE" dirty="0" err="1" smtClean="0"/>
+              <a:t>Armory</a:t>
+            </a:r>
+            <a:endParaRPr lang="de-DE" dirty="0" smtClean="0"/>
+          </a:p>
+          <a:p>
+            <a:endParaRPr lang="de-DE" dirty="0" smtClean="0"/>
+          </a:p>
+          <a:p>
+            <a:r>
+              <a:rPr lang="de-DE" dirty="0" err="1" smtClean="0"/>
+              <a:t>Barracks</a:t>
+            </a:r>
+            <a:endParaRPr lang="de-DE" dirty="0" smtClean="0"/>
+          </a:p>
+          <a:p>
+            <a:endParaRPr lang="de-DE" dirty="0" smtClean="0"/>
+          </a:p>
+          <a:p>
             <a:r>
               <a:rPr lang="de-DE" dirty="0" smtClean="0"/>
-              <a:t>Mehr Einheiten</a:t>
-            </a:r>
-          </a:p>
+              <a:t>Support</a:t>
+            </a:r>
+          </a:p>
+          <a:p>
+            <a:endParaRPr lang="de-DE" dirty="0" smtClean="0"/>
+          </a:p>
+          <a:p>
+            <a:r>
+              <a:rPr lang="de-DE" dirty="0" err="1" smtClean="0"/>
+              <a:t>Defence</a:t>
+            </a:r>
+            <a:endParaRPr lang="de-DE" dirty="0"/>
+          </a:p>
+        </p:txBody>
+      </p:sp>
+      <p:pic>
+        <p:nvPicPr>
+          <p:cNvPr id="4" name="Picture 2" descr="C:\Users\kwoxer\Desktop\Defence.png"/>
+          <p:cNvPicPr>
+            <a:picLocks noChangeAspect="1" noChangeArrowheads="1"/>
+          </p:cNvPicPr>
+          <p:nvPr/>
+        </p:nvPicPr>
+        <p:blipFill>
+          <a:blip r:embed="rId2" cstate="print"/>
+          <a:srcRect/>
+          <a:stretch>
+            <a:fillRect/>
+          </a:stretch>
+        </p:blipFill>
+        <p:spPr bwMode="auto">
+          <a:xfrm>
+            <a:off x="3131840" y="4941168"/>
+            <a:ext cx="952500" cy="952500"/>
+          </a:xfrm>
+          <a:prstGeom prst="rect">
+            <a:avLst/>
+          </a:prstGeom>
+          <a:noFill/>
+        </p:spPr>
+      </p:pic>
+      <p:pic>
+        <p:nvPicPr>
+          <p:cNvPr id="5" name="Picture 3" descr="C:\Users\kwoxer\Desktop\Armory.png"/>
+          <p:cNvPicPr>
+            <a:picLocks noChangeAspect="1" noChangeArrowheads="1"/>
+          </p:cNvPicPr>
+          <p:nvPr/>
+        </p:nvPicPr>
+        <p:blipFill>
+          <a:blip r:embed="rId3" cstate="print"/>
+          <a:srcRect/>
+          <a:stretch>
+            <a:fillRect/>
+          </a:stretch>
+        </p:blipFill>
+        <p:spPr bwMode="auto">
+          <a:xfrm>
+            <a:off x="3131840" y="1844824"/>
+            <a:ext cx="952500" cy="952500"/>
+          </a:xfrm>
+          <a:prstGeom prst="rect">
+            <a:avLst/>
+          </a:prstGeom>
+          <a:noFill/>
+        </p:spPr>
+      </p:pic>
+      <p:pic>
+        <p:nvPicPr>
+          <p:cNvPr id="6" name="Picture 4" descr="C:\Users\kwoxer\Desktop\Barracks.png"/>
+          <p:cNvPicPr>
+            <a:picLocks noChangeAspect="1" noChangeArrowheads="1"/>
+          </p:cNvPicPr>
+          <p:nvPr/>
+        </p:nvPicPr>
+        <p:blipFill>
+          <a:blip r:embed="rId4" cstate="print"/>
+          <a:srcRect/>
+          <a:stretch>
+            <a:fillRect/>
+          </a:stretch>
+        </p:blipFill>
+        <p:spPr bwMode="auto">
+          <a:xfrm>
+            <a:off x="3131840" y="2780928"/>
+            <a:ext cx="952500" cy="952500"/>
+          </a:xfrm>
+          <a:prstGeom prst="rect">
+            <a:avLst/>
+          </a:prstGeom>
+          <a:noFill/>
+        </p:spPr>
+      </p:pic>
+      <p:pic>
+        <p:nvPicPr>
+          <p:cNvPr id="7" name="Picture 5" descr="C:\Users\kwoxer\Desktop\Support.png"/>
+          <p:cNvPicPr>
+            <a:picLocks noChangeAspect="1" noChangeArrowheads="1"/>
+          </p:cNvPicPr>
+          <p:nvPr/>
+        </p:nvPicPr>
+        <p:blipFill>
+          <a:blip r:embed="rId5" cstate="print"/>
+          <a:srcRect/>
+          <a:stretch>
+            <a:fillRect/>
+          </a:stretch>
+        </p:blipFill>
+        <p:spPr bwMode="auto">
+          <a:xfrm>
+            <a:off x="3059832" y="3789040"/>
+            <a:ext cx="952500" cy="952500"/>
+          </a:xfrm>
+          <a:prstGeom prst="rect">
+            <a:avLst/>
+          </a:prstGeom>
+          <a:noFill/>
+        </p:spPr>
+      </p:pic>
+    </p:spTree>
+  </p:cSld>
+  <p:clrMapOvr>
+    <a:masterClrMapping/>
+  </p:clrMapOvr>
+</p:sld>
+</file>
+
+<file path=ppt/slides/slide8.xml><?xml version="1.0" encoding="utf-8"?>
+<p:sld xmlns:a="http://schemas.openxmlformats.org/drawingml/2006/main" xmlns:r="http://schemas.openxmlformats.org/officeDocument/2006/relationships" xmlns:p="http://schemas.openxmlformats.org/presentationml/2006/main">
+  <p:cSld>
+    <p:spTree>
+      <p:nvGrpSpPr>
+        <p:cNvPr id="1" name=""/>
+        <p:cNvGrpSpPr/>
+        <p:nvPr/>
+      </p:nvGrpSpPr>
+      <p:grpSpPr>
+        <a:xfrm>
+          <a:off x="0" y="0"/>
+          <a:ext cx="0" cy="0"/>
+          <a:chOff x="0" y="0"/>
+          <a:chExt cx="0" cy="0"/>
+        </a:xfrm>
+      </p:grpSpPr>
+      <p:sp>
+        <p:nvSpPr>
+          <p:cNvPr id="2" name="Titel 1"/>
+          <p:cNvSpPr>
+            <a:spLocks noGrp="1"/>
+          </p:cNvSpPr>
+          <p:nvPr>
+            <p:ph type="title"/>
+          </p:nvPr>
+        </p:nvSpPr>
+        <p:spPr/>
+        <p:txBody>
+          <a:bodyPr/>
+          <a:lstStyle/>
           <a:p>
             <a:r>
               <a:rPr lang="de-DE" dirty="0" smtClean="0"/>
-              <a:t>Intelligente Wegfindung</a:t>
-            </a:r>
-          </a:p>
+              <a:t>Logik (Vorstellung)</a:t>
+            </a:r>
+            <a:endParaRPr lang="de-DE" dirty="0"/>
+          </a:p>
+        </p:txBody>
+      </p:sp>
+      <p:sp>
+        <p:nvSpPr>
+          <p:cNvPr id="3" name="Inhaltsplatzhalter 2"/>
+          <p:cNvSpPr>
+            <a:spLocks noGrp="1"/>
+          </p:cNvSpPr>
+          <p:nvPr>
+            <p:ph idx="1"/>
+          </p:nvPr>
+        </p:nvSpPr>
+        <p:spPr/>
+        <p:txBody>
+          <a:bodyPr/>
+          <a:lstStyle/>
           <a:p>
             <a:r>
               <a:rPr lang="de-DE" dirty="0" smtClean="0"/>
-              <a:t>andere </a:t>
-            </a:r>
+              <a:t>Einheiten:</a:t>
+            </a:r>
+          </a:p>
+          <a:p>
+            <a:pPr lvl="1"/>
+            <a:r>
+              <a:rPr lang="de-DE" dirty="0" smtClean="0"/>
+              <a:t>Luft</a:t>
+            </a:r>
+          </a:p>
+          <a:p>
+            <a:pPr lvl="1"/>
+            <a:r>
+              <a:rPr lang="de-DE" dirty="0" smtClean="0"/>
+              <a:t>Wasser</a:t>
+            </a:r>
+          </a:p>
+          <a:p>
+            <a:pPr lvl="1"/>
+            <a:r>
+              <a:rPr lang="de-DE" dirty="0" smtClean="0"/>
+              <a:t>Land</a:t>
+            </a:r>
+          </a:p>
+          <a:p>
+            <a:r>
+              <a:rPr lang="de-DE" dirty="0" smtClean="0"/>
+              <a:t>Support, produziert Geld, mehr Rüstung etc.</a:t>
+            </a:r>
+          </a:p>
+          <a:p>
             <a:r>
               <a:rPr lang="de-DE" dirty="0" err="1" smtClean="0"/>
-              <a:t>Maps</a:t>
-            </a:r>
+              <a:t>Verteidung</a:t>
+            </a:r>
+            <a:r>
+              <a:rPr lang="de-DE" dirty="0" smtClean="0"/>
+              <a:t>, gegen Luft, Wasser, </a:t>
+            </a:r>
+            <a:r>
+              <a:rPr lang="de-DE" dirty="0" smtClean="0"/>
+              <a:t>Land</a:t>
+            </a:r>
+          </a:p>
+          <a:p>
+            <a:r>
+              <a:rPr lang="de-DE" dirty="0" smtClean="0"/>
+              <a:t>Gebäude </a:t>
+            </a:r>
+            <a:r>
+              <a:rPr lang="de-DE" dirty="0" err="1" smtClean="0"/>
+              <a:t>upgradefähig</a:t>
+            </a:r>
+            <a:r>
+              <a:rPr lang="de-DE" dirty="0" smtClean="0"/>
+              <a:t>, dadurch bessere und stärkere Units</a:t>
+            </a:r>
+          </a:p>
+          <a:p>
             <a:endParaRPr lang="de-DE" dirty="0" smtClean="0"/>
           </a:p>
+        </p:txBody>
+      </p:sp>
+    </p:spTree>
+  </p:cSld>
+  <p:clrMapOvr>
+    <a:masterClrMapping/>
+  </p:clrMapOvr>
+</p:sld>
+</file>
+
+<file path=ppt/slides/slide9.xml><?xml version="1.0" encoding="utf-8"?>
+<p:sld xmlns:a="http://schemas.openxmlformats.org/drawingml/2006/main" xmlns:r="http://schemas.openxmlformats.org/officeDocument/2006/relationships" xmlns:p="http://schemas.openxmlformats.org/presentationml/2006/main">
+  <p:cSld>
+    <p:spTree>
+      <p:nvGrpSpPr>
+        <p:cNvPr id="1" name=""/>
+        <p:cNvGrpSpPr/>
+        <p:nvPr/>
+      </p:nvGrpSpPr>
+      <p:grpSpPr>
+        <a:xfrm>
+          <a:off x="0" y="0"/>
+          <a:ext cx="0" cy="0"/>
+          <a:chOff x="0" y="0"/>
+          <a:chExt cx="0" cy="0"/>
+        </a:xfrm>
+      </p:grpSpPr>
+      <p:sp>
+        <p:nvSpPr>
+          <p:cNvPr id="2" name="Titel 1"/>
+          <p:cNvSpPr>
+            <a:spLocks noGrp="1"/>
+          </p:cNvSpPr>
+          <p:nvPr>
+            <p:ph type="title"/>
+          </p:nvPr>
+        </p:nvSpPr>
+        <p:spPr/>
+        <p:txBody>
+          <a:bodyPr/>
+          <a:lstStyle/>
           <a:p>
             <a:r>
               <a:rPr lang="de-DE" dirty="0" smtClean="0"/>
-              <a:t>Atomrakete zur schnelleren Vernichtung des Feindes</a:t>
+              <a:t>Logik (Umsetzung</a:t>
+            </a:r>
+            <a:r>
+              <a:rPr lang="de-DE" dirty="0" smtClean="0"/>
+              <a:t>)</a:t>
             </a:r>
             <a:endParaRPr lang="de-DE" dirty="0"/>
+          </a:p>
+        </p:txBody>
+      </p:sp>
+      <p:sp>
+        <p:nvSpPr>
+          <p:cNvPr id="3" name="Inhaltsplatzhalter 2"/>
+          <p:cNvSpPr>
+            <a:spLocks noGrp="1"/>
+          </p:cNvSpPr>
+          <p:nvPr>
+            <p:ph idx="1"/>
+          </p:nvPr>
+        </p:nvSpPr>
+        <p:spPr/>
+        <p:txBody>
+          <a:bodyPr/>
+          <a:lstStyle/>
+          <a:p>
+            <a:r>
+              <a:rPr lang="de-DE" dirty="0" smtClean="0"/>
+              <a:t>Einheiten:</a:t>
+            </a:r>
+          </a:p>
+          <a:p>
+            <a:pPr lvl="1"/>
+            <a:r>
+              <a:rPr lang="de-DE" dirty="0" smtClean="0"/>
+              <a:t>(Luft)</a:t>
+            </a:r>
+          </a:p>
+          <a:p>
+            <a:pPr lvl="1"/>
+            <a:r>
+              <a:rPr lang="de-DE" dirty="0" smtClean="0"/>
+              <a:t>Land (Panzer und Soldaten)</a:t>
+            </a:r>
+            <a:endParaRPr lang="de-DE" dirty="0" smtClean="0"/>
+          </a:p>
+          <a:p>
+            <a:r>
+              <a:rPr lang="de-DE" dirty="0" smtClean="0"/>
+              <a:t>Support, produziert </a:t>
+            </a:r>
+            <a:r>
+              <a:rPr lang="de-DE" dirty="0" smtClean="0"/>
+              <a:t>Geld</a:t>
+            </a:r>
+            <a:endParaRPr lang="de-DE" dirty="0" smtClean="0"/>
+          </a:p>
+          <a:p>
+            <a:r>
+              <a:rPr lang="de-DE" dirty="0" err="1" smtClean="0"/>
+              <a:t>Verteidung</a:t>
+            </a:r>
+            <a:endParaRPr lang="de-DE" dirty="0" smtClean="0"/>
+          </a:p>
+          <a:p>
+            <a:r>
+              <a:rPr lang="de-DE" dirty="0" smtClean="0"/>
+              <a:t>Schlachtfeld</a:t>
+            </a:r>
           </a:p>
         </p:txBody>
       </p:sp>
@@ -4949,9 +5067,9 @@
 </file>
 
 <file path=ppt/theme/theme1.xml><?xml version="1.0" encoding="utf-8"?>
-<a:theme xmlns:a="http://schemas.openxmlformats.org/drawingml/2006/main" name="Nyad">
+<a:theme xmlns:a="http://schemas.openxmlformats.org/drawingml/2006/main" name="Lysithea">
   <a:themeElements>
-    <a:clrScheme name="Nyad">
+    <a:clrScheme name="Lysithea">
       <a:dk1>
         <a:sysClr val="windowText" lastClr="000000"/>
       </a:dk1>
@@ -4959,50 +5077,48 @@
         <a:sysClr val="window" lastClr="FFFFFF"/>
       </a:lt1>
       <a:dk2>
-        <a:srgbClr val="4F271C"/>
+        <a:srgbClr val="B13F9A"/>
       </a:dk2>
       <a:lt2>
-        <a:srgbClr val="E7DEC9"/>
+        <a:srgbClr val="F4E7ED"/>
       </a:lt2>
       <a:accent1>
-        <a:srgbClr val="3891A7"/>
+        <a:srgbClr val="B83D68"/>
       </a:accent1>
       <a:accent2>
-        <a:srgbClr val="FEB80A"/>
+        <a:srgbClr val="AC66BB"/>
       </a:accent2>
       <a:accent3>
-        <a:srgbClr val="C32D2E"/>
+        <a:srgbClr val="DE6C36"/>
       </a:accent3>
       <a:accent4>
-        <a:srgbClr val="84AA33"/>
+        <a:srgbClr val="F9B639"/>
       </a:accent4>
       <a:accent5>
-        <a:srgbClr val="964305"/>
+        <a:srgbClr val="CF6DA4"/>
       </a:accent5>
       <a:accent6>
-        <a:srgbClr val="475A8D"/>
+        <a:srgbClr val="FA8D3D"/>
       </a:accent6>
       <a:hlink>
-        <a:srgbClr val="8DC765"/>
+        <a:srgbClr val="FFDE66"/>
       </a:hlink>
       <a:folHlink>
-        <a:srgbClr val="AA8A14"/>
+        <a:srgbClr val="D490C5"/>
       </a:folHlink>
     </a:clrScheme>
-    <a:fontScheme name="Nyad">
+    <a:fontScheme name="Lysithea">
       <a:majorFont>
-        <a:latin typeface="Gill Sans MT"/>
+        <a:latin typeface="Trebuchet MS"/>
         <a:ea typeface=""/>
         <a:cs typeface=""/>
-        <a:font script="Grek" typeface="Corbel"/>
-        <a:font script="Cyrl" typeface="Corbel"/>
-        <a:font script="Jpan" typeface="HGｺﾞｼｯｸE"/>
-        <a:font script="Hang" typeface="휴먼매직체"/>
-        <a:font script="Hans" typeface="华文中宋"/>
+        <a:font script="Jpan" typeface="HG丸ｺﾞｼｯｸM-PRO"/>
+        <a:font script="Hang" typeface="HY그래픽M"/>
+        <a:font script="Hans" typeface="黑体"/>
         <a:font script="Hant" typeface="微軟正黑體"/>
-        <a:font script="Arab" typeface="Majalla UI"/>
-        <a:font script="Hebr" typeface="Arial"/>
-        <a:font script="Thai" typeface="Cordia New"/>
+        <a:font script="Arab" typeface="Tahoma"/>
+        <a:font script="Hebr" typeface="Gisha"/>
+        <a:font script="Thai" typeface="IrisUPC"/>
         <a:font script="Ethi" typeface="Nyala"/>
         <a:font script="Beng" typeface="Vrinda"/>
         <a:font script="Gujr" typeface="Shruti"/>
@@ -5027,18 +5143,16 @@
         <a:font script="Uigh" typeface="Microsoft Uighur"/>
       </a:majorFont>
       <a:minorFont>
-        <a:latin typeface="Gill Sans MT"/>
+        <a:latin typeface="Trebuchet MS"/>
         <a:ea typeface=""/>
         <a:cs typeface=""/>
-        <a:font script="Grek" typeface="Corbel"/>
-        <a:font script="Cyrl" typeface="Corbel"/>
-        <a:font script="Jpan" typeface="HGｺﾞｼｯｸE"/>
-        <a:font script="Hang" typeface="HY엽서L"/>
-        <a:font script="Hans" typeface="华文中宋"/>
+        <a:font script="Jpan" typeface="HG丸ｺﾞｼｯｸM-PRO"/>
+        <a:font script="Hang" typeface="HY그래픽M"/>
+        <a:font script="Hans" typeface="华文新魏"/>
         <a:font script="Hant" typeface="微軟正黑體"/>
-        <a:font script="Arab" typeface="Majalla UI"/>
-        <a:font script="Hebr" typeface="Arial"/>
-        <a:font script="Thai" typeface="Cordia New"/>
+        <a:font script="Arab" typeface="Tahoma"/>
+        <a:font script="Hebr" typeface="Gisha"/>
+        <a:font script="Thai" typeface="IrisUPC"/>
         <a:font script="Ethi" typeface="Nyala"/>
         <a:font script="Beng" typeface="Vrinda"/>
         <a:font script="Gujr" typeface="Shruti"/>
@@ -5059,11 +5173,11 @@
         <a:font script="Laoo" typeface="DokChampa"/>
         <a:font script="Sinh" typeface="Iskoola Pota"/>
         <a:font script="Mong" typeface="Mongolian Baiti"/>
-        <a:font script="Viet" typeface="Tahoma"/>
+        <a:font script="Viet" typeface="Arial"/>
         <a:font script="Uigh" typeface="Microsoft Uighur"/>
       </a:minorFont>
     </a:fontScheme>
-    <a:fmtScheme name="Nyad">
+    <a:fmtScheme name="Lysithea">
       <a:fillStyleLst>
         <a:solidFill>
           <a:schemeClr val="phClr"/>
@@ -5072,88 +5186,89 @@
           <a:gsLst>
             <a:gs pos="0">
               <a:schemeClr val="phClr">
-                <a:tint val="35000"/>
-                <a:satMod val="253000"/>
+                <a:tint val="15000"/>
+                <a:satMod val="250000"/>
               </a:schemeClr>
             </a:gs>
-            <a:gs pos="50000">
+            <a:gs pos="49000">
               <a:schemeClr val="phClr">
-                <a:tint val="42000"/>
-                <a:satMod val="255000"/>
+                <a:tint val="50000"/>
+                <a:satMod val="200000"/>
               </a:schemeClr>
             </a:gs>
-            <a:gs pos="97000">
+            <a:gs pos="49100">
               <a:schemeClr val="phClr">
-                <a:tint val="53000"/>
-                <a:satMod val="260000"/>
+                <a:tint val="64000"/>
+                <a:satMod val="160000"/>
+              </a:schemeClr>
+            </a:gs>
+            <a:gs pos="92000">
+              <a:schemeClr val="phClr">
+                <a:tint val="50000"/>
+                <a:satMod val="200000"/>
               </a:schemeClr>
             </a:gs>
             <a:gs pos="100000">
               <a:schemeClr val="phClr">
-                <a:tint val="56000"/>
-                <a:satMod val="275000"/>
+                <a:tint val="43000"/>
+                <a:satMod val="190000"/>
               </a:schemeClr>
             </a:gs>
           </a:gsLst>
-          <a:path path="circle">
-            <a:fillToRect l="50000" t="50000" r="50000" b="50000"/>
-          </a:path>
+          <a:lin ang="5400000" scaled="1"/>
         </a:gradFill>
         <a:gradFill rotWithShape="1">
           <a:gsLst>
             <a:gs pos="0">
               <a:schemeClr val="phClr">
-                <a:tint val="92000"/>
-                <a:satMod val="170000"/>
+                <a:tint val="74000"/>
               </a:schemeClr>
             </a:gs>
-            <a:gs pos="15000">
+            <a:gs pos="49000">
               <a:schemeClr val="phClr">
-                <a:tint val="92000"/>
-                <a:shade val="99000"/>
-                <a:satMod val="170000"/>
+                <a:tint val="96000"/>
+                <a:shade val="84000"/>
+                <a:satMod val="110000"/>
               </a:schemeClr>
             </a:gs>
-            <a:gs pos="62000">
+            <a:gs pos="49100">
               <a:schemeClr val="phClr">
-                <a:tint val="96000"/>
-                <a:shade val="80000"/>
-                <a:satMod val="170000"/>
+                <a:shade val="55000"/>
+                <a:satMod val="150000"/>
               </a:schemeClr>
             </a:gs>
-            <a:gs pos="97000">
+            <a:gs pos="92000">
               <a:schemeClr val="phClr">
                 <a:tint val="98000"/>
-                <a:shade val="63000"/>
-                <a:satMod val="170000"/>
+                <a:shade val="90000"/>
+                <a:satMod val="128000"/>
               </a:schemeClr>
             </a:gs>
             <a:gs pos="100000">
               <a:schemeClr val="phClr">
-                <a:shade val="62000"/>
-                <a:satMod val="170000"/>
+                <a:tint val="90000"/>
+                <a:shade val="97000"/>
+                <a:satMod val="128000"/>
               </a:schemeClr>
             </a:gs>
           </a:gsLst>
-          <a:path path="circle">
-            <a:fillToRect l="50000" t="50000" r="50000" b="50000"/>
-          </a:path>
+          <a:lin ang="5400000" scaled="1"/>
         </a:gradFill>
       </a:fillStyleLst>
       <a:lnStyleLst>
-        <a:ln w="9525" cap="flat" cmpd="sng" algn="ctr">
+        <a:ln w="11430" cap="flat" cmpd="sng" algn="ctr">
           <a:solidFill>
             <a:schemeClr val="phClr"/>
           </a:solidFill>
           <a:prstDash val="solid"/>
         </a:ln>
-        <a:ln w="25400" cap="flat" cmpd="sng" algn="ctr">
+        <a:ln w="40000" cap="flat" cmpd="sng" algn="ctr">
           <a:solidFill>
             <a:schemeClr val="phClr"/>
           </a:solidFill>
           <a:prstDash val="solid"/>
         </a:ln>
-        <a:ln w="25400" cap="flat" cmpd="sng" algn="ctr">
+        <a:ln w="31800" cap="flat" cmpd="sng" algn="ctr">
           <a:solidFill>
             <a:schemeClr val="phClr"/>
           </a:solidFill>
@@ -5163,59 +5278,44 @@
       <a:effectStyleLst>
         <a:effectStyle>
           <a:effectLst>
-            <a:outerShdw blurRad="63500" dist="25400" dir="5400000" rotWithShape="0">
-              <a:srgbClr val="000000">
-                <a:alpha val="43137"/>
-              </a:srgbClr>
+            <a:outerShdw blurRad="50800" dist="25000" dir="5400000" rotWithShape="0">
+              <a:schemeClr val="phClr">
+                <a:shade val="30000"/>
+                <a:satMod val="150000"/>
+                <a:alpha val="38000"/>
+              </a:schemeClr>
             </a:outerShdw>
           </a:effectLst>
         </a:effectStyle>
         <a:effectStyle>
           <a:effectLst>
-            <a:outerShdw blurRad="63500" dist="25400" dir="5400000" rotWithShape="0">
-              <a:srgbClr val="000000">
-                <a:alpha val="43137"/>
-              </a:srgbClr>
+            <a:outerShdw blurRad="39000" dist="25400" dir="5400000" rotWithShape="0">
+              <a:schemeClr val="phClr">
+                <a:shade val="33000"/>
+                <a:alpha val="83000"/>
+              </a:schemeClr>
+            </a:outerShdw>
+          </a:effectLst>
+        </a:effectStyle>
+        <a:effectStyle>
+          <a:effectLst>
+            <a:outerShdw blurRad="39000" dist="25400" dir="5400000" rotWithShape="0">
+              <a:schemeClr val="phClr">
+                <a:shade val="33000"/>
+                <a:alpha val="83000"/>
+              </a:schemeClr>
             </a:outerShdw>
           </a:effectLst>
           <a:scene3d>
             <a:camera prst="orthographicFront" fov="0">
               <a:rot lat="0" lon="0" rev="0"/>
             </a:camera>
-            <a:lightRig rig="brightRoom" dir="tl">
-              <a:rot lat="0" lon="0" rev="8700000"/>
+            <a:lightRig rig="contrasting" dir="t">
+              <a:rot lat="0" lon="0" rev="1500000"/>
             </a:lightRig>
           </a:scene3d>
-          <a:sp3d contourW="12700">
-            <a:bevelT w="0" h="0"/>
-            <a:contourClr>
-              <a:schemeClr val="phClr">
-                <a:shade val="80000"/>
-              </a:schemeClr>
-            </a:contourClr>
-          </a:sp3d>
-        </a:effectStyle>
-        <a:effectStyle>
-          <a:effectLst>
-            <a:outerShdw blurRad="63500" dist="25400" dir="5400000" rotWithShape="0">
-              <a:srgbClr val="000000">
-                <a:alpha val="43137"/>
-              </a:srgbClr>
-            </a:outerShdw>
-          </a:effectLst>
-          <a:scene3d>
-            <a:camera prst="orthographicFront" fov="0">
-              <a:rot lat="0" lon="0" rev="0"/>
-            </a:camera>
-            <a:lightRig rig="brightRoom" dir="tl">
-              <a:rot lat="0" lon="0" rev="5400000"/>
-            </a:lightRig>
-          </a:scene3d>
-          <a:sp3d contourW="12700">
-            <a:bevelT w="25400" h="50800" prst="angle"/>
-            <a:contourClr>
-              <a:schemeClr val="phClr"/>
-            </a:contourClr>
+          <a:sp3d extrusionH="127000" prstMaterial="powder">
+            <a:bevelT w="50800" h="63500"/>
           </a:sp3d>
         </a:effectStyle>
       </a:effectStyleLst>
@@ -5227,41 +5327,35 @@
           <a:gsLst>
             <a:gs pos="0">
               <a:schemeClr val="phClr">
-                <a:tint val="60000"/>
-                <a:satMod val="355000"/>
-              </a:schemeClr>
-            </a:gs>
-            <a:gs pos="40000">
-              <a:schemeClr val="phClr">
-                <a:tint val="85000"/>
-                <a:satMod val="320000"/>
+                <a:tint val="78000"/>
+                <a:satMod val="220000"/>
               </a:schemeClr>
             </a:gs>
             <a:gs pos="100000">
               <a:schemeClr val="phClr">
-                <a:shade val="55000"/>
-                <a:satMod val="300000"/>
+                <a:shade val="35000"/>
+                <a:satMod val="155000"/>
               </a:schemeClr>
             </a:gs>
           </a:gsLst>
           <a:path path="circle">
-            <a:fillToRect l="-24500" t="-20000" r="124500" b="120000"/>
+            <a:fillToRect l="50000" t="50000" r="50000" b="50000"/>
           </a:path>
         </a:gradFill>
         <a:blipFill>
           <a:blip xmlns:r="http://schemas.openxmlformats.org/officeDocument/2006/relationships" r:embed="rId1">
             <a:duotone>
               <a:schemeClr val="phClr">
-                <a:shade val="9000"/>
-                <a:satMod val="300000"/>
+                <a:shade val="60000"/>
+                <a:satMod val="180000"/>
               </a:schemeClr>
               <a:schemeClr val="phClr">
-                <a:tint val="90000"/>
-                <a:satMod val="225000"/>
+                <a:tint val="500"/>
+                <a:satMod val="150000"/>
               </a:schemeClr>
             </a:duotone>
           </a:blip>
-          <a:tile tx="0" ty="0" sx="90000" sy="90000" flip="xy" algn="tl"/>
+          <a:tile tx="0" ty="0" sx="50000" sy="50000" flip="none" algn="tl"/>
         </a:blipFill>
       </a:bgFillStyleLst>
     </a:fmtScheme>
